--- a/Android_Market_Analysis_Presentation.pptx
+++ b/Android_Market_Analysis_Presentation.pptx
@@ -6970,10 +6970,10 @@
                 </a:solidFill>
                 <a:latin typeface="+mj-lt"/>
               </a:rPr>
-              <a:t>Our friend “</a:t>
-            </a:r>
-            <a:r>
-              <a:rPr lang="en-US" dirty="0" err="1">
+              <a:t>Our friend </a:t>
+            </a:r>
+            <a:r>
+              <a:rPr lang="en-US">
                 <a:solidFill>
                   <a:schemeClr val="accent5">
                     <a:lumMod val="50000"/>
@@ -6981,7 +6981,7 @@
                 </a:solidFill>
                 <a:latin typeface="+mj-lt"/>
               </a:rPr>
-              <a:t>Apu</a:t>
+              <a:t>“Ted” </a:t>
             </a:r>
             <a:r>
               <a:rPr lang="en-US" dirty="0">
@@ -6992,7 +6992,7 @@
                 </a:solidFill>
                 <a:latin typeface="+mj-lt"/>
               </a:rPr>
-              <a:t>” is a </a:t>
+              <a:t>is a </a:t>
             </a:r>
             <a:r>
               <a:rPr lang="en-US" b="1" dirty="0">

--- a/Android_Market_Analysis_Presentation.pptx
+++ b/Android_Market_Analysis_Presentation.pptx
@@ -14,14 +14,14 @@
     <p:sldId id="276" r:id="rId5"/>
     <p:sldId id="275" r:id="rId6"/>
     <p:sldId id="277" r:id="rId7"/>
-    <p:sldId id="258" r:id="rId8"/>
-    <p:sldId id="259" r:id="rId9"/>
-    <p:sldId id="260" r:id="rId10"/>
-    <p:sldId id="261" r:id="rId11"/>
-    <p:sldId id="262" r:id="rId12"/>
-    <p:sldId id="263" r:id="rId13"/>
-    <p:sldId id="278" r:id="rId14"/>
-    <p:sldId id="279" r:id="rId15"/>
+    <p:sldId id="279" r:id="rId8"/>
+    <p:sldId id="258" r:id="rId9"/>
+    <p:sldId id="259" r:id="rId10"/>
+    <p:sldId id="260" r:id="rId11"/>
+    <p:sldId id="261" r:id="rId12"/>
+    <p:sldId id="262" r:id="rId13"/>
+    <p:sldId id="263" r:id="rId14"/>
+    <p:sldId id="278" r:id="rId15"/>
     <p:sldId id="273" r:id="rId16"/>
     <p:sldId id="280" r:id="rId17"/>
   </p:sldIdLst>
@@ -4380,7 +4380,7 @@
           <p:cNvPr id="10" name="Title 1">
             <a:extLst>
               <a:ext uri="{FF2B5EF4-FFF2-40B4-BE49-F238E27FC236}">
-                <a16:creationId xmlns:a16="http://schemas.microsoft.com/office/drawing/2014/main" id="{CB5512EB-CF5A-F54E-8B1A-50F2F413518F}"/>
+                <a16:creationId xmlns:a16="http://schemas.microsoft.com/office/drawing/2014/main" id="{292D8B40-C8F3-E04C-B0BC-E986B16F5615}"/>
               </a:ext>
             </a:extLst>
           </p:cNvPr>
@@ -4391,7 +4391,12 @@
             <p:ph type="title"/>
           </p:nvPr>
         </p:nvSpPr>
-        <p:spPr/>
+        <p:spPr>
+          <a:xfrm>
+            <a:off x="839788" y="365125"/>
+            <a:ext cx="10515600" cy="1325563"/>
+          </a:xfrm>
+        </p:spPr>
         <p:txBody>
           <a:bodyPr>
             <a:normAutofit/>
@@ -4405,7 +4410,418 @@
                   <a:srgbClr val="C00000"/>
                 </a:solidFill>
               </a:rPr>
-              <a:t>1 Billion Downloads(Top 5)</a:t>
+              <a:t>Comparison – By Content Rating</a:t>
+            </a:r>
+            <a:endParaRPr lang="en-US" sz="3600" dirty="0"/>
+          </a:p>
+        </p:txBody>
+      </p:sp>
+      <p:sp>
+        <p:nvSpPr>
+          <p:cNvPr id="11" name="Text Placeholder 2">
+            <a:extLst>
+              <a:ext uri="{FF2B5EF4-FFF2-40B4-BE49-F238E27FC236}">
+                <a16:creationId xmlns:a16="http://schemas.microsoft.com/office/drawing/2014/main" id="{51C024F0-049A-8243-A45A-E32F2B0BA9D8}"/>
+              </a:ext>
+            </a:extLst>
+          </p:cNvPr>
+          <p:cNvSpPr txBox="1">
+            <a:spLocks/>
+          </p:cNvSpPr>
+          <p:nvPr/>
+        </p:nvSpPr>
+        <p:spPr>
+          <a:xfrm>
+            <a:off x="839788" y="1681163"/>
+            <a:ext cx="5157787" cy="823912"/>
+          </a:xfrm>
+          <a:prstGeom prst="rect">
+            <a:avLst/>
+          </a:prstGeom>
+        </p:spPr>
+        <p:txBody>
+          <a:bodyPr/>
+          <a:lstStyle>
+            <a:lvl1pPr marL="228600" indent="-228600" algn="l" defTabSz="914400" rtl="0" eaLnBrk="1" latinLnBrk="0" hangingPunct="1">
+              <a:lnSpc>
+                <a:spcPct val="90000"/>
+              </a:lnSpc>
+              <a:spcBef>
+                <a:spcPts val="1000"/>
+              </a:spcBef>
+              <a:buFont typeface="Arial" panose="020B0604020202020204" pitchFamily="34" charset="0"/>
+              <a:buChar char="•"/>
+              <a:defRPr sz="2800" kern="1200">
+                <a:solidFill>
+                  <a:schemeClr val="tx1"/>
+                </a:solidFill>
+                <a:latin typeface="+mn-lt"/>
+                <a:ea typeface="+mn-ea"/>
+                <a:cs typeface="+mn-cs"/>
+              </a:defRPr>
+            </a:lvl1pPr>
+            <a:lvl2pPr marL="685800" indent="-228600" algn="l" defTabSz="914400" rtl="0" eaLnBrk="1" latinLnBrk="0" hangingPunct="1">
+              <a:lnSpc>
+                <a:spcPct val="90000"/>
+              </a:lnSpc>
+              <a:spcBef>
+                <a:spcPts val="500"/>
+              </a:spcBef>
+              <a:buFont typeface="Arial" panose="020B0604020202020204" pitchFamily="34" charset="0"/>
+              <a:buChar char="•"/>
+              <a:defRPr sz="2400" kern="1200">
+                <a:solidFill>
+                  <a:schemeClr val="tx1"/>
+                </a:solidFill>
+                <a:latin typeface="+mn-lt"/>
+                <a:ea typeface="+mn-ea"/>
+                <a:cs typeface="+mn-cs"/>
+              </a:defRPr>
+            </a:lvl2pPr>
+            <a:lvl3pPr marL="1143000" indent="-228600" algn="l" defTabSz="914400" rtl="0" eaLnBrk="1" latinLnBrk="0" hangingPunct="1">
+              <a:lnSpc>
+                <a:spcPct val="90000"/>
+              </a:lnSpc>
+              <a:spcBef>
+                <a:spcPts val="500"/>
+              </a:spcBef>
+              <a:buFont typeface="Arial" panose="020B0604020202020204" pitchFamily="34" charset="0"/>
+              <a:buChar char="•"/>
+              <a:defRPr sz="2000" kern="1200">
+                <a:solidFill>
+                  <a:schemeClr val="tx1"/>
+                </a:solidFill>
+                <a:latin typeface="+mn-lt"/>
+                <a:ea typeface="+mn-ea"/>
+                <a:cs typeface="+mn-cs"/>
+              </a:defRPr>
+            </a:lvl3pPr>
+            <a:lvl4pPr marL="1600200" indent="-228600" algn="l" defTabSz="914400" rtl="0" eaLnBrk="1" latinLnBrk="0" hangingPunct="1">
+              <a:lnSpc>
+                <a:spcPct val="90000"/>
+              </a:lnSpc>
+              <a:spcBef>
+                <a:spcPts val="500"/>
+              </a:spcBef>
+              <a:buFont typeface="Arial" panose="020B0604020202020204" pitchFamily="34" charset="0"/>
+              <a:buChar char="•"/>
+              <a:defRPr sz="1800" kern="1200">
+                <a:solidFill>
+                  <a:schemeClr val="tx1"/>
+                </a:solidFill>
+                <a:latin typeface="+mn-lt"/>
+                <a:ea typeface="+mn-ea"/>
+                <a:cs typeface="+mn-cs"/>
+              </a:defRPr>
+            </a:lvl4pPr>
+            <a:lvl5pPr marL="2057400" indent="-228600" algn="l" defTabSz="914400" rtl="0" eaLnBrk="1" latinLnBrk="0" hangingPunct="1">
+              <a:lnSpc>
+                <a:spcPct val="90000"/>
+              </a:lnSpc>
+              <a:spcBef>
+                <a:spcPts val="500"/>
+              </a:spcBef>
+              <a:buFont typeface="Arial" panose="020B0604020202020204" pitchFamily="34" charset="0"/>
+              <a:buChar char="•"/>
+              <a:defRPr sz="1800" kern="1200">
+                <a:solidFill>
+                  <a:schemeClr val="tx1"/>
+                </a:solidFill>
+                <a:latin typeface="+mn-lt"/>
+                <a:ea typeface="+mn-ea"/>
+                <a:cs typeface="+mn-cs"/>
+              </a:defRPr>
+            </a:lvl5pPr>
+            <a:lvl6pPr marL="2514600" indent="-228600" algn="l" defTabSz="914400" rtl="0" eaLnBrk="1" latinLnBrk="0" hangingPunct="1">
+              <a:lnSpc>
+                <a:spcPct val="90000"/>
+              </a:lnSpc>
+              <a:spcBef>
+                <a:spcPts val="500"/>
+              </a:spcBef>
+              <a:buFont typeface="Arial" panose="020B0604020202020204" pitchFamily="34" charset="0"/>
+              <a:buChar char="•"/>
+              <a:defRPr sz="1800" kern="1200">
+                <a:solidFill>
+                  <a:schemeClr val="tx1"/>
+                </a:solidFill>
+                <a:latin typeface="+mn-lt"/>
+                <a:ea typeface="+mn-ea"/>
+                <a:cs typeface="+mn-cs"/>
+              </a:defRPr>
+            </a:lvl6pPr>
+            <a:lvl7pPr marL="2971800" indent="-228600" algn="l" defTabSz="914400" rtl="0" eaLnBrk="1" latinLnBrk="0" hangingPunct="1">
+              <a:lnSpc>
+                <a:spcPct val="90000"/>
+              </a:lnSpc>
+              <a:spcBef>
+                <a:spcPts val="500"/>
+              </a:spcBef>
+              <a:buFont typeface="Arial" panose="020B0604020202020204" pitchFamily="34" charset="0"/>
+              <a:buChar char="•"/>
+              <a:defRPr sz="1800" kern="1200">
+                <a:solidFill>
+                  <a:schemeClr val="tx1"/>
+                </a:solidFill>
+                <a:latin typeface="+mn-lt"/>
+                <a:ea typeface="+mn-ea"/>
+                <a:cs typeface="+mn-cs"/>
+              </a:defRPr>
+            </a:lvl7pPr>
+            <a:lvl8pPr marL="3429000" indent="-228600" algn="l" defTabSz="914400" rtl="0" eaLnBrk="1" latinLnBrk="0" hangingPunct="1">
+              <a:lnSpc>
+                <a:spcPct val="90000"/>
+              </a:lnSpc>
+              <a:spcBef>
+                <a:spcPts val="500"/>
+              </a:spcBef>
+              <a:buFont typeface="Arial" panose="020B0604020202020204" pitchFamily="34" charset="0"/>
+              <a:buChar char="•"/>
+              <a:defRPr sz="1800" kern="1200">
+                <a:solidFill>
+                  <a:schemeClr val="tx1"/>
+                </a:solidFill>
+                <a:latin typeface="+mn-lt"/>
+                <a:ea typeface="+mn-ea"/>
+                <a:cs typeface="+mn-cs"/>
+              </a:defRPr>
+            </a:lvl8pPr>
+            <a:lvl9pPr marL="3886200" indent="-228600" algn="l" defTabSz="914400" rtl="0" eaLnBrk="1" latinLnBrk="0" hangingPunct="1">
+              <a:lnSpc>
+                <a:spcPct val="90000"/>
+              </a:lnSpc>
+              <a:spcBef>
+                <a:spcPts val="500"/>
+              </a:spcBef>
+              <a:buFont typeface="Arial" panose="020B0604020202020204" pitchFamily="34" charset="0"/>
+              <a:buChar char="•"/>
+              <a:defRPr sz="1800" kern="1200">
+                <a:solidFill>
+                  <a:schemeClr val="tx1"/>
+                </a:solidFill>
+                <a:latin typeface="+mn-lt"/>
+                <a:ea typeface="+mn-ea"/>
+                <a:cs typeface="+mn-cs"/>
+              </a:defRPr>
+            </a:lvl9pPr>
+          </a:lstStyle>
+          <a:p>
+            <a:pPr marL="0" indent="0" algn="ctr">
+              <a:buNone/>
+            </a:pPr>
+            <a:r>
+              <a:rPr lang="en-US" dirty="0">
+                <a:solidFill>
+                  <a:srgbClr val="C00000"/>
+                </a:solidFill>
+                <a:latin typeface="+mj-lt"/>
+              </a:rPr>
+              <a:t>% of Target Group using Free Apps</a:t>
+            </a:r>
+          </a:p>
+        </p:txBody>
+      </p:sp>
+      <p:sp>
+        <p:nvSpPr>
+          <p:cNvPr id="12" name="Text Placeholder 11">
+            <a:extLst>
+              <a:ext uri="{FF2B5EF4-FFF2-40B4-BE49-F238E27FC236}">
+                <a16:creationId xmlns:a16="http://schemas.microsoft.com/office/drawing/2014/main" id="{4EDA7EC5-A106-7E4A-814D-90EBAC5B4DF0}"/>
+              </a:ext>
+            </a:extLst>
+          </p:cNvPr>
+          <p:cNvSpPr txBox="1">
+            <a:spLocks/>
+          </p:cNvSpPr>
+          <p:nvPr/>
+        </p:nvSpPr>
+        <p:spPr>
+          <a:xfrm>
+            <a:off x="6172200" y="1681163"/>
+            <a:ext cx="5183188" cy="823912"/>
+          </a:xfrm>
+          <a:prstGeom prst="rect">
+            <a:avLst/>
+          </a:prstGeom>
+        </p:spPr>
+        <p:txBody>
+          <a:bodyPr/>
+          <a:lstStyle>
+            <a:lvl1pPr marL="228600" indent="-228600" algn="l" defTabSz="914400" rtl="0" eaLnBrk="1" latinLnBrk="0" hangingPunct="1">
+              <a:lnSpc>
+                <a:spcPct val="90000"/>
+              </a:lnSpc>
+              <a:spcBef>
+                <a:spcPts val="1000"/>
+              </a:spcBef>
+              <a:buFont typeface="Arial" panose="020B0604020202020204" pitchFamily="34" charset="0"/>
+              <a:buChar char="•"/>
+              <a:defRPr sz="2800" kern="1200">
+                <a:solidFill>
+                  <a:schemeClr val="tx1"/>
+                </a:solidFill>
+                <a:latin typeface="+mn-lt"/>
+                <a:ea typeface="+mn-ea"/>
+                <a:cs typeface="+mn-cs"/>
+              </a:defRPr>
+            </a:lvl1pPr>
+            <a:lvl2pPr marL="685800" indent="-228600" algn="l" defTabSz="914400" rtl="0" eaLnBrk="1" latinLnBrk="0" hangingPunct="1">
+              <a:lnSpc>
+                <a:spcPct val="90000"/>
+              </a:lnSpc>
+              <a:spcBef>
+                <a:spcPts val="500"/>
+              </a:spcBef>
+              <a:buFont typeface="Arial" panose="020B0604020202020204" pitchFamily="34" charset="0"/>
+              <a:buChar char="•"/>
+              <a:defRPr sz="2400" kern="1200">
+                <a:solidFill>
+                  <a:schemeClr val="tx1"/>
+                </a:solidFill>
+                <a:latin typeface="+mn-lt"/>
+                <a:ea typeface="+mn-ea"/>
+                <a:cs typeface="+mn-cs"/>
+              </a:defRPr>
+            </a:lvl2pPr>
+            <a:lvl3pPr marL="1143000" indent="-228600" algn="l" defTabSz="914400" rtl="0" eaLnBrk="1" latinLnBrk="0" hangingPunct="1">
+              <a:lnSpc>
+                <a:spcPct val="90000"/>
+              </a:lnSpc>
+              <a:spcBef>
+                <a:spcPts val="500"/>
+              </a:spcBef>
+              <a:buFont typeface="Arial" panose="020B0604020202020204" pitchFamily="34" charset="0"/>
+              <a:buChar char="•"/>
+              <a:defRPr sz="2000" kern="1200">
+                <a:solidFill>
+                  <a:schemeClr val="tx1"/>
+                </a:solidFill>
+                <a:latin typeface="+mn-lt"/>
+                <a:ea typeface="+mn-ea"/>
+                <a:cs typeface="+mn-cs"/>
+              </a:defRPr>
+            </a:lvl3pPr>
+            <a:lvl4pPr marL="1600200" indent="-228600" algn="l" defTabSz="914400" rtl="0" eaLnBrk="1" latinLnBrk="0" hangingPunct="1">
+              <a:lnSpc>
+                <a:spcPct val="90000"/>
+              </a:lnSpc>
+              <a:spcBef>
+                <a:spcPts val="500"/>
+              </a:spcBef>
+              <a:buFont typeface="Arial" panose="020B0604020202020204" pitchFamily="34" charset="0"/>
+              <a:buChar char="•"/>
+              <a:defRPr sz="1800" kern="1200">
+                <a:solidFill>
+                  <a:schemeClr val="tx1"/>
+                </a:solidFill>
+                <a:latin typeface="+mn-lt"/>
+                <a:ea typeface="+mn-ea"/>
+                <a:cs typeface="+mn-cs"/>
+              </a:defRPr>
+            </a:lvl4pPr>
+            <a:lvl5pPr marL="2057400" indent="-228600" algn="l" defTabSz="914400" rtl="0" eaLnBrk="1" latinLnBrk="0" hangingPunct="1">
+              <a:lnSpc>
+                <a:spcPct val="90000"/>
+              </a:lnSpc>
+              <a:spcBef>
+                <a:spcPts val="500"/>
+              </a:spcBef>
+              <a:buFont typeface="Arial" panose="020B0604020202020204" pitchFamily="34" charset="0"/>
+              <a:buChar char="•"/>
+              <a:defRPr sz="1800" kern="1200">
+                <a:solidFill>
+                  <a:schemeClr val="tx1"/>
+                </a:solidFill>
+                <a:latin typeface="+mn-lt"/>
+                <a:ea typeface="+mn-ea"/>
+                <a:cs typeface="+mn-cs"/>
+              </a:defRPr>
+            </a:lvl5pPr>
+            <a:lvl6pPr marL="2514600" indent="-228600" algn="l" defTabSz="914400" rtl="0" eaLnBrk="1" latinLnBrk="0" hangingPunct="1">
+              <a:lnSpc>
+                <a:spcPct val="90000"/>
+              </a:lnSpc>
+              <a:spcBef>
+                <a:spcPts val="500"/>
+              </a:spcBef>
+              <a:buFont typeface="Arial" panose="020B0604020202020204" pitchFamily="34" charset="0"/>
+              <a:buChar char="•"/>
+              <a:defRPr sz="1800" kern="1200">
+                <a:solidFill>
+                  <a:schemeClr val="tx1"/>
+                </a:solidFill>
+                <a:latin typeface="+mn-lt"/>
+                <a:ea typeface="+mn-ea"/>
+                <a:cs typeface="+mn-cs"/>
+              </a:defRPr>
+            </a:lvl6pPr>
+            <a:lvl7pPr marL="2971800" indent="-228600" algn="l" defTabSz="914400" rtl="0" eaLnBrk="1" latinLnBrk="0" hangingPunct="1">
+              <a:lnSpc>
+                <a:spcPct val="90000"/>
+              </a:lnSpc>
+              <a:spcBef>
+                <a:spcPts val="500"/>
+              </a:spcBef>
+              <a:buFont typeface="Arial" panose="020B0604020202020204" pitchFamily="34" charset="0"/>
+              <a:buChar char="•"/>
+              <a:defRPr sz="1800" kern="1200">
+                <a:solidFill>
+                  <a:schemeClr val="tx1"/>
+                </a:solidFill>
+                <a:latin typeface="+mn-lt"/>
+                <a:ea typeface="+mn-ea"/>
+                <a:cs typeface="+mn-cs"/>
+              </a:defRPr>
+            </a:lvl7pPr>
+            <a:lvl8pPr marL="3429000" indent="-228600" algn="l" defTabSz="914400" rtl="0" eaLnBrk="1" latinLnBrk="0" hangingPunct="1">
+              <a:lnSpc>
+                <a:spcPct val="90000"/>
+              </a:lnSpc>
+              <a:spcBef>
+                <a:spcPts val="500"/>
+              </a:spcBef>
+              <a:buFont typeface="Arial" panose="020B0604020202020204" pitchFamily="34" charset="0"/>
+              <a:buChar char="•"/>
+              <a:defRPr sz="1800" kern="1200">
+                <a:solidFill>
+                  <a:schemeClr val="tx1"/>
+                </a:solidFill>
+                <a:latin typeface="+mn-lt"/>
+                <a:ea typeface="+mn-ea"/>
+                <a:cs typeface="+mn-cs"/>
+              </a:defRPr>
+            </a:lvl8pPr>
+            <a:lvl9pPr marL="3886200" indent="-228600" algn="l" defTabSz="914400" rtl="0" eaLnBrk="1" latinLnBrk="0" hangingPunct="1">
+              <a:lnSpc>
+                <a:spcPct val="90000"/>
+              </a:lnSpc>
+              <a:spcBef>
+                <a:spcPts val="500"/>
+              </a:spcBef>
+              <a:buFont typeface="Arial" panose="020B0604020202020204" pitchFamily="34" charset="0"/>
+              <a:buChar char="•"/>
+              <a:defRPr sz="1800" kern="1200">
+                <a:solidFill>
+                  <a:schemeClr val="tx1"/>
+                </a:solidFill>
+                <a:latin typeface="+mn-lt"/>
+                <a:ea typeface="+mn-ea"/>
+                <a:cs typeface="+mn-cs"/>
+              </a:defRPr>
+            </a:lvl9pPr>
+          </a:lstStyle>
+          <a:p>
+            <a:pPr marL="0" indent="0" algn="ctr">
+              <a:buNone/>
+            </a:pPr>
+            <a:r>
+              <a:rPr lang="en-US" dirty="0">
+                <a:solidFill>
+                  <a:srgbClr val="C00000"/>
+                </a:solidFill>
+                <a:latin typeface="+mj-lt"/>
+              </a:rPr>
+              <a:t>% of Target Group using Paid Apps</a:t>
             </a:r>
           </a:p>
         </p:txBody>
@@ -4415,7 +4831,7 @@
           <p:cNvPr id="3" name="Picture 2">
             <a:extLst>
               <a:ext uri="{FF2B5EF4-FFF2-40B4-BE49-F238E27FC236}">
-                <a16:creationId xmlns:a16="http://schemas.microsoft.com/office/drawing/2014/main" id="{CD65B43D-1394-3849-BD38-8A9D1C91F98F}"/>
+                <a16:creationId xmlns:a16="http://schemas.microsoft.com/office/drawing/2014/main" id="{4C75EE18-72C4-E84D-8350-10DA5495F044}"/>
               </a:ext>
             </a:extLst>
           </p:cNvPr>
@@ -4432,8 +4848,38 @@
         </p:blipFill>
         <p:spPr>
           <a:xfrm>
-            <a:off x="1926076" y="1344038"/>
-            <a:ext cx="8741923" cy="4370962"/>
+            <a:off x="98306" y="2241529"/>
+            <a:ext cx="6498437" cy="3249219"/>
+          </a:xfrm>
+          <a:prstGeom prst="rect">
+            <a:avLst/>
+          </a:prstGeom>
+        </p:spPr>
+      </p:pic>
+      <p:pic>
+        <p:nvPicPr>
+          <p:cNvPr id="5" name="Picture 4">
+            <a:extLst>
+              <a:ext uri="{FF2B5EF4-FFF2-40B4-BE49-F238E27FC236}">
+                <a16:creationId xmlns:a16="http://schemas.microsoft.com/office/drawing/2014/main" id="{C479DB02-3EFF-9647-9E26-116746D1AA39}"/>
+              </a:ext>
+            </a:extLst>
+          </p:cNvPr>
+          <p:cNvPicPr>
+            <a:picLocks noChangeAspect="1"/>
+          </p:cNvPicPr>
+          <p:nvPr/>
+        </p:nvPicPr>
+        <p:blipFill>
+          <a:blip r:embed="rId3"/>
+          <a:stretch>
+            <a:fillRect/>
+          </a:stretch>
+        </p:blipFill>
+        <p:spPr>
+          <a:xfrm>
+            <a:off x="6194427" y="2384662"/>
+            <a:ext cx="5997573" cy="3101738"/>
           </a:xfrm>
           <a:prstGeom prst="rect">
             <a:avLst/>
@@ -4443,7 +4889,7 @@
     </p:spTree>
     <p:extLst>
       <p:ext uri="{BB962C8B-B14F-4D97-AF65-F5344CB8AC3E}">
-        <p14:creationId xmlns:p14="http://schemas.microsoft.com/office/powerpoint/2010/main" val="1123776727"/>
+        <p14:creationId xmlns:p14="http://schemas.microsoft.com/office/powerpoint/2010/main" val="583279507"/>
       </p:ext>
     </p:extLst>
   </p:cSld>
@@ -4472,58 +4918,6 @@
       </p:grpSpPr>
       <p:sp>
         <p:nvSpPr>
-          <p:cNvPr id="5" name="Title 4">
-            <a:extLst>
-              <a:ext uri="{FF2B5EF4-FFF2-40B4-BE49-F238E27FC236}">
-                <a16:creationId xmlns:a16="http://schemas.microsoft.com/office/drawing/2014/main" id="{C07AFBF1-8319-0349-8CF3-B3DC9D610C6F}"/>
-              </a:ext>
-            </a:extLst>
-          </p:cNvPr>
-          <p:cNvSpPr>
-            <a:spLocks noGrp="1"/>
-          </p:cNvSpPr>
-          <p:nvPr>
-            <p:ph type="title"/>
-          </p:nvPr>
-        </p:nvSpPr>
-        <p:spPr/>
-        <p:txBody>
-          <a:bodyPr>
-            <a:normAutofit/>
-          </a:bodyPr>
-          <a:lstStyle/>
-          <a:p>
-            <a:pPr algn="ctr"/>
-            <a:r>
-              <a:rPr lang="en-US" sz="3200" dirty="0">
-                <a:solidFill>
-                  <a:srgbClr val="C00000"/>
-                </a:solidFill>
-              </a:rPr>
-              <a:t>Revenue – By Category </a:t>
-            </a:r>
-            <a:br>
-              <a:rPr lang="en-US" sz="3200" dirty="0">
-                <a:solidFill>
-                  <a:srgbClr val="C00000"/>
-                </a:solidFill>
-              </a:rPr>
-            </a:br>
-            <a:r>
-              <a:rPr lang="en-US" sz="1800" dirty="0">
-                <a:solidFill>
-                  <a:schemeClr val="accent6">
-                    <a:lumMod val="75000"/>
-                  </a:schemeClr>
-                </a:solidFill>
-              </a:rPr>
-              <a:t>Based on purchase counts(Paid Apps only)</a:t>
-            </a:r>
-          </a:p>
-        </p:txBody>
-      </p:sp>
-      <p:sp>
-        <p:nvSpPr>
           <p:cNvPr id="6" name="Rectangle 5">
             <a:extLst>
               <a:ext uri="{FF2B5EF4-FFF2-40B4-BE49-F238E27FC236}">
@@ -4730,12 +5124,47 @@
           </a:p>
         </p:txBody>
       </p:sp>
+      <p:sp>
+        <p:nvSpPr>
+          <p:cNvPr id="10" name="Title 1">
+            <a:extLst>
+              <a:ext uri="{FF2B5EF4-FFF2-40B4-BE49-F238E27FC236}">
+                <a16:creationId xmlns:a16="http://schemas.microsoft.com/office/drawing/2014/main" id="{CB5512EB-CF5A-F54E-8B1A-50F2F413518F}"/>
+              </a:ext>
+            </a:extLst>
+          </p:cNvPr>
+          <p:cNvSpPr>
+            <a:spLocks noGrp="1"/>
+          </p:cNvSpPr>
+          <p:nvPr>
+            <p:ph type="title"/>
+          </p:nvPr>
+        </p:nvSpPr>
+        <p:spPr/>
+        <p:txBody>
+          <a:bodyPr>
+            <a:normAutofit/>
+          </a:bodyPr>
+          <a:lstStyle/>
+          <a:p>
+            <a:pPr algn="ctr"/>
+            <a:r>
+              <a:rPr lang="en-US" sz="3600" dirty="0">
+                <a:solidFill>
+                  <a:srgbClr val="C00000"/>
+                </a:solidFill>
+              </a:rPr>
+              <a:t>1 Billion Downloads(Top 5)</a:t>
+            </a:r>
+          </a:p>
+        </p:txBody>
+      </p:sp>
       <p:pic>
         <p:nvPicPr>
-          <p:cNvPr id="2" name="Picture 1">
-            <a:extLst>
-              <a:ext uri="{FF2B5EF4-FFF2-40B4-BE49-F238E27FC236}">
-                <a16:creationId xmlns:a16="http://schemas.microsoft.com/office/drawing/2014/main" id="{F5D3278A-1543-4F48-ADD3-595DD04B9065}"/>
+          <p:cNvPr id="3" name="Picture 2">
+            <a:extLst>
+              <a:ext uri="{FF2B5EF4-FFF2-40B4-BE49-F238E27FC236}">
+                <a16:creationId xmlns:a16="http://schemas.microsoft.com/office/drawing/2014/main" id="{CD65B43D-1394-3849-BD38-8A9D1C91F98F}"/>
               </a:ext>
             </a:extLst>
           </p:cNvPr>
@@ -4752,8 +5181,8 @@
         </p:blipFill>
         <p:spPr>
           <a:xfrm>
-            <a:off x="3106909" y="1402247"/>
-            <a:ext cx="4847799" cy="5393094"/>
+            <a:off x="1926076" y="1344038"/>
+            <a:ext cx="8741923" cy="4370962"/>
           </a:xfrm>
           <a:prstGeom prst="rect">
             <a:avLst/>
@@ -4763,7 +5192,7 @@
     </p:spTree>
     <p:extLst>
       <p:ext uri="{BB962C8B-B14F-4D97-AF65-F5344CB8AC3E}">
-        <p14:creationId xmlns:p14="http://schemas.microsoft.com/office/powerpoint/2010/main" val="103843417"/>
+        <p14:creationId xmlns:p14="http://schemas.microsoft.com/office/powerpoint/2010/main" val="1123776727"/>
       </p:ext>
     </p:extLst>
   </p:cSld>
@@ -4815,12 +5244,29 @@
           <a:p>
             <a:pPr algn="ctr"/>
             <a:r>
-              <a:rPr lang="en-US" sz="3600" dirty="0">
+              <a:rPr lang="en-US" sz="3200" dirty="0">
                 <a:solidFill>
                   <a:srgbClr val="C00000"/>
                 </a:solidFill>
               </a:rPr>
-              <a:t>Comparison - Reviews Vs Rating</a:t>
+              <a:t>Revenue – By Category </a:t>
+            </a:r>
+            <a:br>
+              <a:rPr lang="en-US" sz="3200" dirty="0">
+                <a:solidFill>
+                  <a:srgbClr val="C00000"/>
+                </a:solidFill>
+              </a:rPr>
+            </a:br>
+            <a:r>
+              <a:rPr lang="en-US" sz="1800" dirty="0">
+                <a:solidFill>
+                  <a:schemeClr val="accent6">
+                    <a:lumMod val="75000"/>
+                  </a:schemeClr>
+                </a:solidFill>
+              </a:rPr>
+              <a:t>Based on purchase counts(Paid Apps only)</a:t>
             </a:r>
           </a:p>
         </p:txBody>
@@ -5035,10 +5481,10 @@
       </p:sp>
       <p:pic>
         <p:nvPicPr>
-          <p:cNvPr id="4" name="Picture 3">
-            <a:extLst>
-              <a:ext uri="{FF2B5EF4-FFF2-40B4-BE49-F238E27FC236}">
-                <a16:creationId xmlns:a16="http://schemas.microsoft.com/office/drawing/2014/main" id="{8D870E7B-E9B7-6747-A3D8-31BB28E4F3BC}"/>
+          <p:cNvPr id="2" name="Picture 1">
+            <a:extLst>
+              <a:ext uri="{FF2B5EF4-FFF2-40B4-BE49-F238E27FC236}">
+                <a16:creationId xmlns:a16="http://schemas.microsoft.com/office/drawing/2014/main" id="{F5D3278A-1543-4F48-ADD3-595DD04B9065}"/>
               </a:ext>
             </a:extLst>
           </p:cNvPr>
@@ -5055,38 +5501,8 @@
         </p:blipFill>
         <p:spPr>
           <a:xfrm>
-            <a:off x="6096000" y="2426829"/>
-            <a:ext cx="5924588" cy="2962294"/>
-          </a:xfrm>
-          <a:prstGeom prst="rect">
-            <a:avLst/>
-          </a:prstGeom>
-        </p:spPr>
-      </p:pic>
-      <p:pic>
-        <p:nvPicPr>
-          <p:cNvPr id="11" name="Picture 10">
-            <a:extLst>
-              <a:ext uri="{FF2B5EF4-FFF2-40B4-BE49-F238E27FC236}">
-                <a16:creationId xmlns:a16="http://schemas.microsoft.com/office/drawing/2014/main" id="{F1370F23-5D87-3C4F-848E-60F5F82540E3}"/>
-              </a:ext>
-            </a:extLst>
-          </p:cNvPr>
-          <p:cNvPicPr>
-            <a:picLocks noChangeAspect="1"/>
-          </p:cNvPicPr>
-          <p:nvPr/>
-        </p:nvPicPr>
-        <p:blipFill>
-          <a:blip r:embed="rId3"/>
-          <a:stretch>
-            <a:fillRect/>
-          </a:stretch>
-        </p:blipFill>
-        <p:spPr>
-          <a:xfrm>
-            <a:off x="77821" y="2426829"/>
-            <a:ext cx="5924588" cy="2962294"/>
+            <a:off x="3106909" y="1402247"/>
+            <a:ext cx="4847799" cy="5393094"/>
           </a:xfrm>
           <a:prstGeom prst="rect">
             <a:avLst/>
@@ -5096,7 +5512,7 @@
     </p:spTree>
     <p:extLst>
       <p:ext uri="{BB962C8B-B14F-4D97-AF65-F5344CB8AC3E}">
-        <p14:creationId xmlns:p14="http://schemas.microsoft.com/office/powerpoint/2010/main" val="913798297"/>
+        <p14:creationId xmlns:p14="http://schemas.microsoft.com/office/powerpoint/2010/main" val="103843417"/>
       </p:ext>
     </p:extLst>
   </p:cSld>
@@ -5125,10 +5541,10 @@
       </p:grpSpPr>
       <p:sp>
         <p:nvSpPr>
-          <p:cNvPr id="2" name="Title 1">
-            <a:extLst>
-              <a:ext uri="{FF2B5EF4-FFF2-40B4-BE49-F238E27FC236}">
-                <a16:creationId xmlns:a16="http://schemas.microsoft.com/office/drawing/2014/main" id="{0060FA6C-FE6D-164D-9AA7-7C044CDB5D57}"/>
+          <p:cNvPr id="5" name="Title 4">
+            <a:extLst>
+              <a:ext uri="{FF2B5EF4-FFF2-40B4-BE49-F238E27FC236}">
+                <a16:creationId xmlns:a16="http://schemas.microsoft.com/office/drawing/2014/main" id="{C07AFBF1-8319-0349-8CF3-B3DC9D610C6F}"/>
               </a:ext>
             </a:extLst>
           </p:cNvPr>
@@ -5139,148 +5555,21 @@
             <p:ph type="title"/>
           </p:nvPr>
         </p:nvSpPr>
-        <p:spPr>
-          <a:xfrm>
-            <a:off x="838200" y="606490"/>
-            <a:ext cx="10515600" cy="970384"/>
-          </a:xfrm>
-        </p:spPr>
+        <p:spPr/>
         <p:txBody>
           <a:bodyPr>
             <a:normAutofit/>
           </a:bodyPr>
           <a:lstStyle/>
           <a:p>
-            <a:r>
-              <a:rPr lang="en-US" sz="3600" b="1" dirty="0">
+            <a:pPr algn="ctr"/>
+            <a:r>
+              <a:rPr lang="en-US" sz="3600" dirty="0">
                 <a:solidFill>
                   <a:srgbClr val="C00000"/>
                 </a:solidFill>
               </a:rPr>
-              <a:t>Assumptions &amp; Limitations</a:t>
-            </a:r>
-          </a:p>
-        </p:txBody>
-      </p:sp>
-      <p:sp>
-        <p:nvSpPr>
-          <p:cNvPr id="3" name="Content Placeholder 2">
-            <a:extLst>
-              <a:ext uri="{FF2B5EF4-FFF2-40B4-BE49-F238E27FC236}">
-                <a16:creationId xmlns:a16="http://schemas.microsoft.com/office/drawing/2014/main" id="{55BF397C-363C-FC47-A6F9-D2B44D742510}"/>
-              </a:ext>
-            </a:extLst>
-          </p:cNvPr>
-          <p:cNvSpPr>
-            <a:spLocks noGrp="1"/>
-          </p:cNvSpPr>
-          <p:nvPr>
-            <p:ph idx="1"/>
-          </p:nvPr>
-        </p:nvSpPr>
-        <p:spPr>
-          <a:xfrm>
-            <a:off x="838200" y="1455576"/>
-            <a:ext cx="10515600" cy="4721387"/>
-          </a:xfrm>
-        </p:spPr>
-        <p:txBody>
-          <a:bodyPr/>
-          <a:lstStyle/>
-          <a:p>
-            <a:r>
-              <a:rPr lang="en-US" b="1" dirty="0">
-                <a:solidFill>
-                  <a:schemeClr val="accent6">
-                    <a:lumMod val="50000"/>
-                  </a:schemeClr>
-                </a:solidFill>
-                <a:latin typeface="+mj-lt"/>
-              </a:rPr>
-              <a:t>Measurability</a:t>
-            </a:r>
-            <a:r>
-              <a:rPr lang="en-US" dirty="0">
-                <a:solidFill>
-                  <a:schemeClr val="accent6">
-                    <a:lumMod val="50000"/>
-                  </a:schemeClr>
-                </a:solidFill>
-                <a:latin typeface="+mj-lt"/>
-              </a:rPr>
-              <a:t> – The comparisons made may change over time, population, cost for in-app purchases and better versions of an app.</a:t>
-            </a:r>
-          </a:p>
-          <a:p>
-            <a:r>
-              <a:rPr lang="en-US" b="1" dirty="0">
-                <a:solidFill>
-                  <a:schemeClr val="accent6">
-                    <a:lumMod val="50000"/>
-                  </a:schemeClr>
-                </a:solidFill>
-                <a:latin typeface="+mj-lt"/>
-              </a:rPr>
-              <a:t>Authenticity</a:t>
-            </a:r>
-            <a:r>
-              <a:rPr lang="en-US" dirty="0">
-                <a:solidFill>
-                  <a:schemeClr val="accent6">
-                    <a:lumMod val="50000"/>
-                  </a:schemeClr>
-                </a:solidFill>
-                <a:latin typeface="+mj-lt"/>
-              </a:rPr>
-              <a:t> – Data like reviews may be biased, meaning we cannot verify who actually wrote it or was it authentic.</a:t>
-            </a:r>
-          </a:p>
-          <a:p>
-            <a:r>
-              <a:rPr lang="en-US" b="1" dirty="0">
-                <a:solidFill>
-                  <a:schemeClr val="accent6">
-                    <a:lumMod val="50000"/>
-                  </a:schemeClr>
-                </a:solidFill>
-                <a:latin typeface="+mj-lt"/>
-              </a:rPr>
-              <a:t>Data source </a:t>
-            </a:r>
-            <a:r>
-              <a:rPr lang="en-US" dirty="0">
-                <a:solidFill>
-                  <a:schemeClr val="accent6">
-                    <a:lumMod val="50000"/>
-                  </a:schemeClr>
-                </a:solidFill>
-                <a:latin typeface="+mj-lt"/>
-              </a:rPr>
-              <a:t>– We have to trust that the source of the dataset must be true. Since we did not collect the data, we have no control of what is in the dataset and we are limited to analyze on what is available.</a:t>
-            </a:r>
-          </a:p>
-          <a:p>
-            <a:r>
-              <a:rPr lang="en-US" b="1" dirty="0">
-                <a:solidFill>
-                  <a:schemeClr val="accent6">
-                    <a:lumMod val="50000"/>
-                  </a:schemeClr>
-                </a:solidFill>
-                <a:latin typeface="+mj-lt"/>
-              </a:rPr>
-              <a:t>Time limit </a:t>
-            </a:r>
-            <a:r>
-              <a:rPr lang="en-US" dirty="0">
-                <a:solidFill>
-                  <a:schemeClr val="accent6">
-                    <a:lumMod val="50000"/>
-                  </a:schemeClr>
-                </a:solidFill>
-                <a:latin typeface="+mj-lt"/>
-              </a:rPr>
-              <a:t>– Given the time, we tried to derive the most we could. There are many other parameters like Android version, App updated dates, specific genres etc, which can provide more depth to the analysis. There is scope for improving the analysis in future.</a:t>
+              <a:t>Comparison - Reviews Vs Rating</a:t>
             </a:r>
           </a:p>
         </p:txBody>
@@ -5493,10 +5782,70 @@
           </a:p>
         </p:txBody>
       </p:sp>
+      <p:pic>
+        <p:nvPicPr>
+          <p:cNvPr id="4" name="Picture 3">
+            <a:extLst>
+              <a:ext uri="{FF2B5EF4-FFF2-40B4-BE49-F238E27FC236}">
+                <a16:creationId xmlns:a16="http://schemas.microsoft.com/office/drawing/2014/main" id="{8D870E7B-E9B7-6747-A3D8-31BB28E4F3BC}"/>
+              </a:ext>
+            </a:extLst>
+          </p:cNvPr>
+          <p:cNvPicPr>
+            <a:picLocks noChangeAspect="1"/>
+          </p:cNvPicPr>
+          <p:nvPr/>
+        </p:nvPicPr>
+        <p:blipFill>
+          <a:blip r:embed="rId2"/>
+          <a:stretch>
+            <a:fillRect/>
+          </a:stretch>
+        </p:blipFill>
+        <p:spPr>
+          <a:xfrm>
+            <a:off x="6096000" y="2426829"/>
+            <a:ext cx="5924588" cy="2962294"/>
+          </a:xfrm>
+          <a:prstGeom prst="rect">
+            <a:avLst/>
+          </a:prstGeom>
+        </p:spPr>
+      </p:pic>
+      <p:pic>
+        <p:nvPicPr>
+          <p:cNvPr id="11" name="Picture 10">
+            <a:extLst>
+              <a:ext uri="{FF2B5EF4-FFF2-40B4-BE49-F238E27FC236}">
+                <a16:creationId xmlns:a16="http://schemas.microsoft.com/office/drawing/2014/main" id="{F1370F23-5D87-3C4F-848E-60F5F82540E3}"/>
+              </a:ext>
+            </a:extLst>
+          </p:cNvPr>
+          <p:cNvPicPr>
+            <a:picLocks noChangeAspect="1"/>
+          </p:cNvPicPr>
+          <p:nvPr/>
+        </p:nvPicPr>
+        <p:blipFill>
+          <a:blip r:embed="rId3"/>
+          <a:stretch>
+            <a:fillRect/>
+          </a:stretch>
+        </p:blipFill>
+        <p:spPr>
+          <a:xfrm>
+            <a:off x="77821" y="2426829"/>
+            <a:ext cx="5924588" cy="2962294"/>
+          </a:xfrm>
+          <a:prstGeom prst="rect">
+            <a:avLst/>
+          </a:prstGeom>
+        </p:spPr>
+      </p:pic>
     </p:spTree>
     <p:extLst>
       <p:ext uri="{BB962C8B-B14F-4D97-AF65-F5344CB8AC3E}">
-        <p14:creationId xmlns:p14="http://schemas.microsoft.com/office/powerpoint/2010/main" val="119326518"/>
+        <p14:creationId xmlns:p14="http://schemas.microsoft.com/office/powerpoint/2010/main" val="913798297"/>
       </p:ext>
     </p:extLst>
   </p:cSld>
@@ -5525,10 +5874,10 @@
       </p:grpSpPr>
       <p:sp>
         <p:nvSpPr>
-          <p:cNvPr id="5" name="Title 4">
-            <a:extLst>
-              <a:ext uri="{FF2B5EF4-FFF2-40B4-BE49-F238E27FC236}">
-                <a16:creationId xmlns:a16="http://schemas.microsoft.com/office/drawing/2014/main" id="{C07AFBF1-8319-0349-8CF3-B3DC9D610C6F}"/>
+          <p:cNvPr id="2" name="Title 1">
+            <a:extLst>
+              <a:ext uri="{FF2B5EF4-FFF2-40B4-BE49-F238E27FC236}">
+                <a16:creationId xmlns:a16="http://schemas.microsoft.com/office/drawing/2014/main" id="{0060FA6C-FE6D-164D-9AA7-7C044CDB5D57}"/>
               </a:ext>
             </a:extLst>
           </p:cNvPr>
@@ -5541,68 +5890,147 @@
         </p:nvSpPr>
         <p:spPr>
           <a:xfrm>
-            <a:off x="838200" y="2351314"/>
-            <a:ext cx="10515600" cy="1914623"/>
+            <a:off x="838200" y="606490"/>
+            <a:ext cx="10515600" cy="970384"/>
           </a:xfrm>
         </p:spPr>
         <p:txBody>
           <a:bodyPr>
-            <a:normAutofit fontScale="90000"/>
+            <a:normAutofit/>
           </a:bodyPr>
           <a:lstStyle/>
           <a:p>
-            <a:pPr algn="ctr"/>
-            <a:r>
-              <a:rPr lang="en-US" sz="3600" dirty="0">
-                <a:solidFill>
-                  <a:schemeClr val="tx1">
-                    <a:lumMod val="65000"/>
-                    <a:lumOff val="35000"/>
+            <a:r>
+              <a:rPr lang="en-US" sz="3600" b="1" dirty="0">
+                <a:solidFill>
+                  <a:srgbClr val="C00000"/>
+                </a:solidFill>
+              </a:rPr>
+              <a:t>Assumptions &amp; Limitations</a:t>
+            </a:r>
+          </a:p>
+        </p:txBody>
+      </p:sp>
+      <p:sp>
+        <p:nvSpPr>
+          <p:cNvPr id="3" name="Content Placeholder 2">
+            <a:extLst>
+              <a:ext uri="{FF2B5EF4-FFF2-40B4-BE49-F238E27FC236}">
+                <a16:creationId xmlns:a16="http://schemas.microsoft.com/office/drawing/2014/main" id="{55BF397C-363C-FC47-A6F9-D2B44D742510}"/>
+              </a:ext>
+            </a:extLst>
+          </p:cNvPr>
+          <p:cNvSpPr>
+            <a:spLocks noGrp="1"/>
+          </p:cNvSpPr>
+          <p:nvPr>
+            <p:ph idx="1"/>
+          </p:nvPr>
+        </p:nvSpPr>
+        <p:spPr>
+          <a:xfrm>
+            <a:off x="838200" y="1455576"/>
+            <a:ext cx="10515600" cy="4721387"/>
+          </a:xfrm>
+        </p:spPr>
+        <p:txBody>
+          <a:bodyPr/>
+          <a:lstStyle/>
+          <a:p>
+            <a:r>
+              <a:rPr lang="en-US" b="1" dirty="0">
+                <a:solidFill>
+                  <a:schemeClr val="accent6">
+                    <a:lumMod val="50000"/>
                   </a:schemeClr>
                 </a:solidFill>
+                <a:latin typeface="+mj-lt"/>
               </a:rPr>
-              <a:t>Here we go..</a:t>
-            </a:r>
-            <a:br>
-              <a:rPr lang="en-US" sz="3600" dirty="0">
-                <a:solidFill>
-                  <a:schemeClr val="tx1">
-                    <a:lumMod val="65000"/>
-                    <a:lumOff val="35000"/>
+              <a:t>Measurability</a:t>
+            </a:r>
+            <a:r>
+              <a:rPr lang="en-US" dirty="0">
+                <a:solidFill>
+                  <a:schemeClr val="accent6">
+                    <a:lumMod val="50000"/>
                   </a:schemeClr>
                 </a:solidFill>
+                <a:latin typeface="+mj-lt"/>
               </a:rPr>
-            </a:br>
-            <a:r>
-              <a:rPr lang="en-US" sz="3600" dirty="0">
-                <a:solidFill>
-                  <a:schemeClr val="tx1">
-                    <a:lumMod val="65000"/>
-                    <a:lumOff val="35000"/>
+              <a:t> – The comparisons made may change over time, population, cost for in-app purchases and better versions of an app.</a:t>
+            </a:r>
+          </a:p>
+          <a:p>
+            <a:r>
+              <a:rPr lang="en-US" b="1" dirty="0">
+                <a:solidFill>
+                  <a:schemeClr val="accent6">
+                    <a:lumMod val="50000"/>
                   </a:schemeClr>
                 </a:solidFill>
+                <a:latin typeface="+mj-lt"/>
               </a:rPr>
-              <a:t>Our Jupyter Notebook</a:t>
-            </a:r>
-            <a:br>
-              <a:rPr lang="en-US" sz="3600" dirty="0">
-                <a:solidFill>
-                  <a:srgbClr val="C00000"/>
-                </a:solidFill>
+              <a:t>Authenticity</a:t>
+            </a:r>
+            <a:r>
+              <a:rPr lang="en-US" dirty="0">
+                <a:solidFill>
+                  <a:schemeClr val="accent6">
+                    <a:lumMod val="50000"/>
+                  </a:schemeClr>
+                </a:solidFill>
+                <a:latin typeface="+mj-lt"/>
               </a:rPr>
-            </a:br>
-            <a:br>
-              <a:rPr lang="en-US" sz="3600" dirty="0">
-                <a:solidFill>
-                  <a:srgbClr val="C00000"/>
-                </a:solidFill>
+              <a:t> – Data like reviews may be biased, meaning we cannot verify who actually wrote it or was it authentic.</a:t>
+            </a:r>
+          </a:p>
+          <a:p>
+            <a:r>
+              <a:rPr lang="en-US" b="1" dirty="0">
+                <a:solidFill>
+                  <a:schemeClr val="accent6">
+                    <a:lumMod val="50000"/>
+                  </a:schemeClr>
+                </a:solidFill>
+                <a:latin typeface="+mj-lt"/>
               </a:rPr>
-            </a:br>
-            <a:endParaRPr lang="en-US" sz="3600" dirty="0">
-              <a:solidFill>
-                <a:srgbClr val="C00000"/>
-              </a:solidFill>
-            </a:endParaRPr>
+              <a:t>Data source </a:t>
+            </a:r>
+            <a:r>
+              <a:rPr lang="en-US" dirty="0">
+                <a:solidFill>
+                  <a:schemeClr val="accent6">
+                    <a:lumMod val="50000"/>
+                  </a:schemeClr>
+                </a:solidFill>
+                <a:latin typeface="+mj-lt"/>
+              </a:rPr>
+              <a:t>– We have to trust that the source of the dataset must be true. Since we did not collect the data, we have no control of what is in the dataset and we are limited to analyze on what is available.</a:t>
+            </a:r>
+          </a:p>
+          <a:p>
+            <a:r>
+              <a:rPr lang="en-US" b="1" dirty="0">
+                <a:solidFill>
+                  <a:schemeClr val="accent6">
+                    <a:lumMod val="50000"/>
+                  </a:schemeClr>
+                </a:solidFill>
+                <a:latin typeface="+mj-lt"/>
+              </a:rPr>
+              <a:t>Time limit </a:t>
+            </a:r>
+            <a:r>
+              <a:rPr lang="en-US" dirty="0">
+                <a:solidFill>
+                  <a:schemeClr val="accent6">
+                    <a:lumMod val="50000"/>
+                  </a:schemeClr>
+                </a:solidFill>
+                <a:latin typeface="+mj-lt"/>
+              </a:rPr>
+              <a:t>– Given the time, we tried to derive the most we could. There are many other parameters like Android version, App updated dates, specific genres etc, which can provide more depth to the analysis. There is scope for improving the analysis in future.</a:t>
+            </a:r>
           </a:p>
         </p:txBody>
       </p:sp>
@@ -5814,57 +6242,10 @@
           </a:p>
         </p:txBody>
       </p:sp>
-      <p:pic>
-        <p:nvPicPr>
-          <p:cNvPr id="10" name="Picture 6" descr="Image result for jupyter notebook logo">
-            <a:extLst>
-              <a:ext uri="{FF2B5EF4-FFF2-40B4-BE49-F238E27FC236}">
-                <a16:creationId xmlns:a16="http://schemas.microsoft.com/office/drawing/2014/main" id="{B23E8469-FD7B-48EA-BE70-6EB7F50DA1D1}"/>
-              </a:ext>
-            </a:extLst>
-          </p:cNvPr>
-          <p:cNvPicPr>
-            <a:picLocks noChangeAspect="1" noChangeArrowheads="1"/>
-          </p:cNvPicPr>
-          <p:nvPr/>
-        </p:nvPicPr>
-        <p:blipFill>
-          <a:blip r:embed="rId2">
-            <a:extLst>
-              <a:ext uri="{28A0092B-C50C-407E-A947-70E740481C1C}">
-                <a14:useLocalDpi xmlns:a14="http://schemas.microsoft.com/office/drawing/2010/main" val="0"/>
-              </a:ext>
-            </a:extLst>
-          </a:blip>
-          <a:srcRect/>
-          <a:stretch>
-            <a:fillRect/>
-          </a:stretch>
-        </p:blipFill>
-        <p:spPr bwMode="auto">
-          <a:xfrm>
-            <a:off x="5485103" y="3429000"/>
-            <a:ext cx="1221794" cy="1221794"/>
-          </a:xfrm>
-          <a:prstGeom prst="rect">
-            <a:avLst/>
-          </a:prstGeom>
-          <a:noFill/>
-          <a:extLst>
-            <a:ext uri="{909E8E84-426E-40DD-AFC4-6F175D3DCCD1}">
-              <a14:hiddenFill xmlns:a14="http://schemas.microsoft.com/office/drawing/2010/main">
-                <a:solidFill>
-                  <a:srgbClr val="FFFFFF"/>
-                </a:solidFill>
-              </a14:hiddenFill>
-            </a:ext>
-          </a:extLst>
-        </p:spPr>
-      </p:pic>
     </p:spTree>
     <p:extLst>
       <p:ext uri="{BB962C8B-B14F-4D97-AF65-F5344CB8AC3E}">
-        <p14:creationId xmlns:p14="http://schemas.microsoft.com/office/powerpoint/2010/main" val="2418771789"/>
+        <p14:creationId xmlns:p14="http://schemas.microsoft.com/office/powerpoint/2010/main" val="119326518"/>
       </p:ext>
     </p:extLst>
   </p:cSld>
@@ -8319,10 +8700,93 @@
       </p:grpSpPr>
       <p:sp>
         <p:nvSpPr>
-          <p:cNvPr id="7" name="Rectangle 6">
-            <a:extLst>
-              <a:ext uri="{FF2B5EF4-FFF2-40B4-BE49-F238E27FC236}">
-                <a16:creationId xmlns:a16="http://schemas.microsoft.com/office/drawing/2014/main" id="{C57A8320-7920-BD41-B746-17513E65A02B}"/>
+          <p:cNvPr id="5" name="Title 4">
+            <a:extLst>
+              <a:ext uri="{FF2B5EF4-FFF2-40B4-BE49-F238E27FC236}">
+                <a16:creationId xmlns:a16="http://schemas.microsoft.com/office/drawing/2014/main" id="{C07AFBF1-8319-0349-8CF3-B3DC9D610C6F}"/>
+              </a:ext>
+            </a:extLst>
+          </p:cNvPr>
+          <p:cNvSpPr>
+            <a:spLocks noGrp="1"/>
+          </p:cNvSpPr>
+          <p:nvPr>
+            <p:ph type="title"/>
+          </p:nvPr>
+        </p:nvSpPr>
+        <p:spPr>
+          <a:xfrm>
+            <a:off x="838200" y="2351314"/>
+            <a:ext cx="10515600" cy="1914623"/>
+          </a:xfrm>
+        </p:spPr>
+        <p:txBody>
+          <a:bodyPr>
+            <a:normAutofit fontScale="90000"/>
+          </a:bodyPr>
+          <a:lstStyle/>
+          <a:p>
+            <a:pPr algn="ctr"/>
+            <a:r>
+              <a:rPr lang="en-US" sz="3600" dirty="0">
+                <a:solidFill>
+                  <a:schemeClr val="tx1">
+                    <a:lumMod val="65000"/>
+                    <a:lumOff val="35000"/>
+                  </a:schemeClr>
+                </a:solidFill>
+              </a:rPr>
+              <a:t>Here we go..</a:t>
+            </a:r>
+            <a:br>
+              <a:rPr lang="en-US" sz="3600" dirty="0">
+                <a:solidFill>
+                  <a:schemeClr val="tx1">
+                    <a:lumMod val="65000"/>
+                    <a:lumOff val="35000"/>
+                  </a:schemeClr>
+                </a:solidFill>
+              </a:rPr>
+            </a:br>
+            <a:r>
+              <a:rPr lang="en-US" sz="3600" dirty="0">
+                <a:solidFill>
+                  <a:schemeClr val="tx1">
+                    <a:lumMod val="65000"/>
+                    <a:lumOff val="35000"/>
+                  </a:schemeClr>
+                </a:solidFill>
+              </a:rPr>
+              <a:t>Our Jupyter Notebook</a:t>
+            </a:r>
+            <a:br>
+              <a:rPr lang="en-US" sz="3600" dirty="0">
+                <a:solidFill>
+                  <a:srgbClr val="C00000"/>
+                </a:solidFill>
+              </a:rPr>
+            </a:br>
+            <a:br>
+              <a:rPr lang="en-US" sz="3600" dirty="0">
+                <a:solidFill>
+                  <a:srgbClr val="C00000"/>
+                </a:solidFill>
+              </a:rPr>
+            </a:br>
+            <a:endParaRPr lang="en-US" sz="3600" dirty="0">
+              <a:solidFill>
+                <a:srgbClr val="C00000"/>
+              </a:solidFill>
+            </a:endParaRPr>
+          </a:p>
+        </p:txBody>
+      </p:sp>
+      <p:sp>
+        <p:nvSpPr>
+          <p:cNvPr id="6" name="Rectangle 5">
+            <a:extLst>
+              <a:ext uri="{FF2B5EF4-FFF2-40B4-BE49-F238E27FC236}">
+                <a16:creationId xmlns:a16="http://schemas.microsoft.com/office/drawing/2014/main" id="{EDB7B2DD-1D04-354A-9AB4-73A160184A6A}"/>
               </a:ext>
             </a:extLst>
           </p:cNvPr>
@@ -8371,10 +8835,10 @@
       </p:sp>
       <p:sp>
         <p:nvSpPr>
-          <p:cNvPr id="8" name="Rectangle 7">
-            <a:extLst>
-              <a:ext uri="{FF2B5EF4-FFF2-40B4-BE49-F238E27FC236}">
-                <a16:creationId xmlns:a16="http://schemas.microsoft.com/office/drawing/2014/main" id="{5D8235E2-83B6-3841-AFC7-A0C9F114EB9C}"/>
+          <p:cNvPr id="7" name="Rectangle 6">
+            <a:extLst>
+              <a:ext uri="{FF2B5EF4-FFF2-40B4-BE49-F238E27FC236}">
+                <a16:creationId xmlns:a16="http://schemas.microsoft.com/office/drawing/2014/main" id="{AF65A308-6603-C94E-B347-D465DAFFB3CC}"/>
               </a:ext>
             </a:extLst>
           </p:cNvPr>
@@ -8423,10 +8887,10 @@
       </p:sp>
       <p:sp>
         <p:nvSpPr>
-          <p:cNvPr id="9" name="Rectangle 8">
-            <a:extLst>
-              <a:ext uri="{FF2B5EF4-FFF2-40B4-BE49-F238E27FC236}">
-                <a16:creationId xmlns:a16="http://schemas.microsoft.com/office/drawing/2014/main" id="{E4885C03-81AD-0646-BA63-4AC544935506}"/>
+          <p:cNvPr id="8" name="Rectangle 7">
+            <a:extLst>
+              <a:ext uri="{FF2B5EF4-FFF2-40B4-BE49-F238E27FC236}">
+                <a16:creationId xmlns:a16="http://schemas.microsoft.com/office/drawing/2014/main" id="{E4556BC6-7B32-B245-B47F-1322CF427185}"/>
               </a:ext>
             </a:extLst>
           </p:cNvPr>
@@ -8475,10 +8939,10 @@
       </p:sp>
       <p:sp>
         <p:nvSpPr>
-          <p:cNvPr id="10" name="Rectangle 9">
-            <a:extLst>
-              <a:ext uri="{FF2B5EF4-FFF2-40B4-BE49-F238E27FC236}">
-                <a16:creationId xmlns:a16="http://schemas.microsoft.com/office/drawing/2014/main" id="{B14F9C43-B9DD-BD47-9DBE-30C7AF30FB65}"/>
+          <p:cNvPr id="9" name="Rectangle 8">
+            <a:extLst>
+              <a:ext uri="{FF2B5EF4-FFF2-40B4-BE49-F238E27FC236}">
+                <a16:creationId xmlns:a16="http://schemas.microsoft.com/office/drawing/2014/main" id="{7BF10D30-14C0-B64B-9BF4-E402EB2A6005}"/>
               </a:ext>
             </a:extLst>
           </p:cNvPr>
@@ -8525,585 +8989,57 @@
           </a:p>
         </p:txBody>
       </p:sp>
-      <p:sp>
-        <p:nvSpPr>
-          <p:cNvPr id="11" name="Title 1">
-            <a:extLst>
-              <a:ext uri="{FF2B5EF4-FFF2-40B4-BE49-F238E27FC236}">
-                <a16:creationId xmlns:a16="http://schemas.microsoft.com/office/drawing/2014/main" id="{728EE139-734C-2244-BC00-A060F88A6989}"/>
-              </a:ext>
-            </a:extLst>
-          </p:cNvPr>
-          <p:cNvSpPr txBox="1">
-            <a:spLocks/>
-          </p:cNvSpPr>
-          <p:nvPr/>
-        </p:nvSpPr>
-        <p:spPr>
-          <a:xfrm>
-            <a:off x="839788" y="365125"/>
-            <a:ext cx="10515600" cy="1325563"/>
-          </a:xfrm>
-          <a:prstGeom prst="rect">
-            <a:avLst/>
-          </a:prstGeom>
-        </p:spPr>
-        <p:txBody>
-          <a:bodyPr/>
-          <a:lstStyle>
-            <a:lvl1pPr algn="l" defTabSz="914400" rtl="0" eaLnBrk="1" latinLnBrk="0" hangingPunct="1">
-              <a:lnSpc>
-                <a:spcPct val="90000"/>
-              </a:lnSpc>
-              <a:spcBef>
-                <a:spcPct val="0"/>
-              </a:spcBef>
-              <a:buNone/>
-              <a:defRPr sz="4400" kern="1200">
-                <a:solidFill>
-                  <a:schemeClr val="tx1"/>
-                </a:solidFill>
-                <a:latin typeface="+mj-lt"/>
-                <a:ea typeface="+mj-ea"/>
-                <a:cs typeface="+mj-cs"/>
-              </a:defRPr>
-            </a:lvl1pPr>
-          </a:lstStyle>
-          <a:p>
-            <a:pPr algn="ctr"/>
-            <a:endParaRPr lang="en-US" sz="4200" b="1" dirty="0"/>
-          </a:p>
-        </p:txBody>
-      </p:sp>
-      <p:sp>
-        <p:nvSpPr>
-          <p:cNvPr id="12" name="Text Placeholder 2">
-            <a:extLst>
-              <a:ext uri="{FF2B5EF4-FFF2-40B4-BE49-F238E27FC236}">
-                <a16:creationId xmlns:a16="http://schemas.microsoft.com/office/drawing/2014/main" id="{70A87BD5-D566-714E-AD24-46B04D7D3C93}"/>
-              </a:ext>
-            </a:extLst>
-          </p:cNvPr>
-          <p:cNvSpPr txBox="1">
-            <a:spLocks/>
-          </p:cNvSpPr>
-          <p:nvPr/>
-        </p:nvSpPr>
-        <p:spPr>
-          <a:xfrm>
-            <a:off x="951722" y="1690687"/>
-            <a:ext cx="5045853" cy="814387"/>
-          </a:xfrm>
-          <a:prstGeom prst="rect">
-            <a:avLst/>
-          </a:prstGeom>
-        </p:spPr>
-        <p:txBody>
-          <a:bodyPr/>
-          <a:lstStyle>
-            <a:lvl1pPr marL="228600" indent="-228600" algn="l" defTabSz="914400" rtl="0" eaLnBrk="1" latinLnBrk="0" hangingPunct="1">
-              <a:lnSpc>
-                <a:spcPct val="90000"/>
-              </a:lnSpc>
-              <a:spcBef>
-                <a:spcPts val="1000"/>
-              </a:spcBef>
-              <a:buFont typeface="Arial" panose="020B0604020202020204" pitchFamily="34" charset="0"/>
-              <a:buChar char="•"/>
-              <a:defRPr sz="2800" kern="1200">
-                <a:solidFill>
-                  <a:schemeClr val="tx1"/>
-                </a:solidFill>
-                <a:latin typeface="+mn-lt"/>
-                <a:ea typeface="+mn-ea"/>
-                <a:cs typeface="+mn-cs"/>
-              </a:defRPr>
-            </a:lvl1pPr>
-            <a:lvl2pPr marL="685800" indent="-228600" algn="l" defTabSz="914400" rtl="0" eaLnBrk="1" latinLnBrk="0" hangingPunct="1">
-              <a:lnSpc>
-                <a:spcPct val="90000"/>
-              </a:lnSpc>
-              <a:spcBef>
-                <a:spcPts val="500"/>
-              </a:spcBef>
-              <a:buFont typeface="Arial" panose="020B0604020202020204" pitchFamily="34" charset="0"/>
-              <a:buChar char="•"/>
-              <a:defRPr sz="2400" kern="1200">
-                <a:solidFill>
-                  <a:schemeClr val="tx1"/>
-                </a:solidFill>
-                <a:latin typeface="+mn-lt"/>
-                <a:ea typeface="+mn-ea"/>
-                <a:cs typeface="+mn-cs"/>
-              </a:defRPr>
-            </a:lvl2pPr>
-            <a:lvl3pPr marL="1143000" indent="-228600" algn="l" defTabSz="914400" rtl="0" eaLnBrk="1" latinLnBrk="0" hangingPunct="1">
-              <a:lnSpc>
-                <a:spcPct val="90000"/>
-              </a:lnSpc>
-              <a:spcBef>
-                <a:spcPts val="500"/>
-              </a:spcBef>
-              <a:buFont typeface="Arial" panose="020B0604020202020204" pitchFamily="34" charset="0"/>
-              <a:buChar char="•"/>
-              <a:defRPr sz="2000" kern="1200">
-                <a:solidFill>
-                  <a:schemeClr val="tx1"/>
-                </a:solidFill>
-                <a:latin typeface="+mn-lt"/>
-                <a:ea typeface="+mn-ea"/>
-                <a:cs typeface="+mn-cs"/>
-              </a:defRPr>
-            </a:lvl3pPr>
-            <a:lvl4pPr marL="1600200" indent="-228600" algn="l" defTabSz="914400" rtl="0" eaLnBrk="1" latinLnBrk="0" hangingPunct="1">
-              <a:lnSpc>
-                <a:spcPct val="90000"/>
-              </a:lnSpc>
-              <a:spcBef>
-                <a:spcPts val="500"/>
-              </a:spcBef>
-              <a:buFont typeface="Arial" panose="020B0604020202020204" pitchFamily="34" charset="0"/>
-              <a:buChar char="•"/>
-              <a:defRPr sz="1800" kern="1200">
-                <a:solidFill>
-                  <a:schemeClr val="tx1"/>
-                </a:solidFill>
-                <a:latin typeface="+mn-lt"/>
-                <a:ea typeface="+mn-ea"/>
-                <a:cs typeface="+mn-cs"/>
-              </a:defRPr>
-            </a:lvl4pPr>
-            <a:lvl5pPr marL="2057400" indent="-228600" algn="l" defTabSz="914400" rtl="0" eaLnBrk="1" latinLnBrk="0" hangingPunct="1">
-              <a:lnSpc>
-                <a:spcPct val="90000"/>
-              </a:lnSpc>
-              <a:spcBef>
-                <a:spcPts val="500"/>
-              </a:spcBef>
-              <a:buFont typeface="Arial" panose="020B0604020202020204" pitchFamily="34" charset="0"/>
-              <a:buChar char="•"/>
-              <a:defRPr sz="1800" kern="1200">
-                <a:solidFill>
-                  <a:schemeClr val="tx1"/>
-                </a:solidFill>
-                <a:latin typeface="+mn-lt"/>
-                <a:ea typeface="+mn-ea"/>
-                <a:cs typeface="+mn-cs"/>
-              </a:defRPr>
-            </a:lvl5pPr>
-            <a:lvl6pPr marL="2514600" indent="-228600" algn="l" defTabSz="914400" rtl="0" eaLnBrk="1" latinLnBrk="0" hangingPunct="1">
-              <a:lnSpc>
-                <a:spcPct val="90000"/>
-              </a:lnSpc>
-              <a:spcBef>
-                <a:spcPts val="500"/>
-              </a:spcBef>
-              <a:buFont typeface="Arial" panose="020B0604020202020204" pitchFamily="34" charset="0"/>
-              <a:buChar char="•"/>
-              <a:defRPr sz="1800" kern="1200">
-                <a:solidFill>
-                  <a:schemeClr val="tx1"/>
-                </a:solidFill>
-                <a:latin typeface="+mn-lt"/>
-                <a:ea typeface="+mn-ea"/>
-                <a:cs typeface="+mn-cs"/>
-              </a:defRPr>
-            </a:lvl6pPr>
-            <a:lvl7pPr marL="2971800" indent="-228600" algn="l" defTabSz="914400" rtl="0" eaLnBrk="1" latinLnBrk="0" hangingPunct="1">
-              <a:lnSpc>
-                <a:spcPct val="90000"/>
-              </a:lnSpc>
-              <a:spcBef>
-                <a:spcPts val="500"/>
-              </a:spcBef>
-              <a:buFont typeface="Arial" panose="020B0604020202020204" pitchFamily="34" charset="0"/>
-              <a:buChar char="•"/>
-              <a:defRPr sz="1800" kern="1200">
-                <a:solidFill>
-                  <a:schemeClr val="tx1"/>
-                </a:solidFill>
-                <a:latin typeface="+mn-lt"/>
-                <a:ea typeface="+mn-ea"/>
-                <a:cs typeface="+mn-cs"/>
-              </a:defRPr>
-            </a:lvl7pPr>
-            <a:lvl8pPr marL="3429000" indent="-228600" algn="l" defTabSz="914400" rtl="0" eaLnBrk="1" latinLnBrk="0" hangingPunct="1">
-              <a:lnSpc>
-                <a:spcPct val="90000"/>
-              </a:lnSpc>
-              <a:spcBef>
-                <a:spcPts val="500"/>
-              </a:spcBef>
-              <a:buFont typeface="Arial" panose="020B0604020202020204" pitchFamily="34" charset="0"/>
-              <a:buChar char="•"/>
-              <a:defRPr sz="1800" kern="1200">
-                <a:solidFill>
-                  <a:schemeClr val="tx1"/>
-                </a:solidFill>
-                <a:latin typeface="+mn-lt"/>
-                <a:ea typeface="+mn-ea"/>
-                <a:cs typeface="+mn-cs"/>
-              </a:defRPr>
-            </a:lvl8pPr>
-            <a:lvl9pPr marL="3886200" indent="-228600" algn="l" defTabSz="914400" rtl="0" eaLnBrk="1" latinLnBrk="0" hangingPunct="1">
-              <a:lnSpc>
-                <a:spcPct val="90000"/>
-              </a:lnSpc>
-              <a:spcBef>
-                <a:spcPts val="500"/>
-              </a:spcBef>
-              <a:buFont typeface="Arial" panose="020B0604020202020204" pitchFamily="34" charset="0"/>
-              <a:buChar char="•"/>
-              <a:defRPr sz="1800" kern="1200">
-                <a:solidFill>
-                  <a:schemeClr val="tx1"/>
-                </a:solidFill>
-                <a:latin typeface="+mn-lt"/>
-                <a:ea typeface="+mn-ea"/>
-                <a:cs typeface="+mn-cs"/>
-              </a:defRPr>
-            </a:lvl9pPr>
-          </a:lstStyle>
-          <a:p>
-            <a:pPr marL="0" indent="0">
-              <a:buNone/>
-            </a:pPr>
-            <a:r>
-              <a:rPr lang="en-US" sz="2600" dirty="0">
-                <a:solidFill>
-                  <a:srgbClr val="C00000"/>
-                </a:solidFill>
-              </a:rPr>
-              <a:t>Category Vs Count (Free Apps)</a:t>
-            </a:r>
-          </a:p>
-        </p:txBody>
-      </p:sp>
-      <p:sp>
-        <p:nvSpPr>
-          <p:cNvPr id="13" name="Text Placeholder 11">
-            <a:extLst>
-              <a:ext uri="{FF2B5EF4-FFF2-40B4-BE49-F238E27FC236}">
-                <a16:creationId xmlns:a16="http://schemas.microsoft.com/office/drawing/2014/main" id="{F8687144-CCE6-F04A-A4BD-74A72638DAD0}"/>
-              </a:ext>
-            </a:extLst>
-          </p:cNvPr>
-          <p:cNvSpPr txBox="1">
-            <a:spLocks/>
-          </p:cNvSpPr>
-          <p:nvPr/>
-        </p:nvSpPr>
-        <p:spPr>
-          <a:xfrm>
-            <a:off x="6904652" y="1681163"/>
-            <a:ext cx="4450735" cy="823912"/>
-          </a:xfrm>
-          <a:prstGeom prst="rect">
-            <a:avLst/>
-          </a:prstGeom>
-        </p:spPr>
-        <p:txBody>
-          <a:bodyPr/>
-          <a:lstStyle>
-            <a:lvl1pPr marL="228600" indent="-228600" algn="l" defTabSz="914400" rtl="0" eaLnBrk="1" latinLnBrk="0" hangingPunct="1">
-              <a:lnSpc>
-                <a:spcPct val="90000"/>
-              </a:lnSpc>
-              <a:spcBef>
-                <a:spcPts val="1000"/>
-              </a:spcBef>
-              <a:buFont typeface="Arial" panose="020B0604020202020204" pitchFamily="34" charset="0"/>
-              <a:buChar char="•"/>
-              <a:defRPr sz="2800" kern="1200">
-                <a:solidFill>
-                  <a:schemeClr val="tx1"/>
-                </a:solidFill>
-                <a:latin typeface="+mn-lt"/>
-                <a:ea typeface="+mn-ea"/>
-                <a:cs typeface="+mn-cs"/>
-              </a:defRPr>
-            </a:lvl1pPr>
-            <a:lvl2pPr marL="685800" indent="-228600" algn="l" defTabSz="914400" rtl="0" eaLnBrk="1" latinLnBrk="0" hangingPunct="1">
-              <a:lnSpc>
-                <a:spcPct val="90000"/>
-              </a:lnSpc>
-              <a:spcBef>
-                <a:spcPts val="500"/>
-              </a:spcBef>
-              <a:buFont typeface="Arial" panose="020B0604020202020204" pitchFamily="34" charset="0"/>
-              <a:buChar char="•"/>
-              <a:defRPr sz="2400" kern="1200">
-                <a:solidFill>
-                  <a:schemeClr val="tx1"/>
-                </a:solidFill>
-                <a:latin typeface="+mn-lt"/>
-                <a:ea typeface="+mn-ea"/>
-                <a:cs typeface="+mn-cs"/>
-              </a:defRPr>
-            </a:lvl2pPr>
-            <a:lvl3pPr marL="1143000" indent="-228600" algn="l" defTabSz="914400" rtl="0" eaLnBrk="1" latinLnBrk="0" hangingPunct="1">
-              <a:lnSpc>
-                <a:spcPct val="90000"/>
-              </a:lnSpc>
-              <a:spcBef>
-                <a:spcPts val="500"/>
-              </a:spcBef>
-              <a:buFont typeface="Arial" panose="020B0604020202020204" pitchFamily="34" charset="0"/>
-              <a:buChar char="•"/>
-              <a:defRPr sz="2000" kern="1200">
-                <a:solidFill>
-                  <a:schemeClr val="tx1"/>
-                </a:solidFill>
-                <a:latin typeface="+mn-lt"/>
-                <a:ea typeface="+mn-ea"/>
-                <a:cs typeface="+mn-cs"/>
-              </a:defRPr>
-            </a:lvl3pPr>
-            <a:lvl4pPr marL="1600200" indent="-228600" algn="l" defTabSz="914400" rtl="0" eaLnBrk="1" latinLnBrk="0" hangingPunct="1">
-              <a:lnSpc>
-                <a:spcPct val="90000"/>
-              </a:lnSpc>
-              <a:spcBef>
-                <a:spcPts val="500"/>
-              </a:spcBef>
-              <a:buFont typeface="Arial" panose="020B0604020202020204" pitchFamily="34" charset="0"/>
-              <a:buChar char="•"/>
-              <a:defRPr sz="1800" kern="1200">
-                <a:solidFill>
-                  <a:schemeClr val="tx1"/>
-                </a:solidFill>
-                <a:latin typeface="+mn-lt"/>
-                <a:ea typeface="+mn-ea"/>
-                <a:cs typeface="+mn-cs"/>
-              </a:defRPr>
-            </a:lvl4pPr>
-            <a:lvl5pPr marL="2057400" indent="-228600" algn="l" defTabSz="914400" rtl="0" eaLnBrk="1" latinLnBrk="0" hangingPunct="1">
-              <a:lnSpc>
-                <a:spcPct val="90000"/>
-              </a:lnSpc>
-              <a:spcBef>
-                <a:spcPts val="500"/>
-              </a:spcBef>
-              <a:buFont typeface="Arial" panose="020B0604020202020204" pitchFamily="34" charset="0"/>
-              <a:buChar char="•"/>
-              <a:defRPr sz="1800" kern="1200">
-                <a:solidFill>
-                  <a:schemeClr val="tx1"/>
-                </a:solidFill>
-                <a:latin typeface="+mn-lt"/>
-                <a:ea typeface="+mn-ea"/>
-                <a:cs typeface="+mn-cs"/>
-              </a:defRPr>
-            </a:lvl5pPr>
-            <a:lvl6pPr marL="2514600" indent="-228600" algn="l" defTabSz="914400" rtl="0" eaLnBrk="1" latinLnBrk="0" hangingPunct="1">
-              <a:lnSpc>
-                <a:spcPct val="90000"/>
-              </a:lnSpc>
-              <a:spcBef>
-                <a:spcPts val="500"/>
-              </a:spcBef>
-              <a:buFont typeface="Arial" panose="020B0604020202020204" pitchFamily="34" charset="0"/>
-              <a:buChar char="•"/>
-              <a:defRPr sz="1800" kern="1200">
-                <a:solidFill>
-                  <a:schemeClr val="tx1"/>
-                </a:solidFill>
-                <a:latin typeface="+mn-lt"/>
-                <a:ea typeface="+mn-ea"/>
-                <a:cs typeface="+mn-cs"/>
-              </a:defRPr>
-            </a:lvl6pPr>
-            <a:lvl7pPr marL="2971800" indent="-228600" algn="l" defTabSz="914400" rtl="0" eaLnBrk="1" latinLnBrk="0" hangingPunct="1">
-              <a:lnSpc>
-                <a:spcPct val="90000"/>
-              </a:lnSpc>
-              <a:spcBef>
-                <a:spcPts val="500"/>
-              </a:spcBef>
-              <a:buFont typeface="Arial" panose="020B0604020202020204" pitchFamily="34" charset="0"/>
-              <a:buChar char="•"/>
-              <a:defRPr sz="1800" kern="1200">
-                <a:solidFill>
-                  <a:schemeClr val="tx1"/>
-                </a:solidFill>
-                <a:latin typeface="+mn-lt"/>
-                <a:ea typeface="+mn-ea"/>
-                <a:cs typeface="+mn-cs"/>
-              </a:defRPr>
-            </a:lvl7pPr>
-            <a:lvl8pPr marL="3429000" indent="-228600" algn="l" defTabSz="914400" rtl="0" eaLnBrk="1" latinLnBrk="0" hangingPunct="1">
-              <a:lnSpc>
-                <a:spcPct val="90000"/>
-              </a:lnSpc>
-              <a:spcBef>
-                <a:spcPts val="500"/>
-              </a:spcBef>
-              <a:buFont typeface="Arial" panose="020B0604020202020204" pitchFamily="34" charset="0"/>
-              <a:buChar char="•"/>
-              <a:defRPr sz="1800" kern="1200">
-                <a:solidFill>
-                  <a:schemeClr val="tx1"/>
-                </a:solidFill>
-                <a:latin typeface="+mn-lt"/>
-                <a:ea typeface="+mn-ea"/>
-                <a:cs typeface="+mn-cs"/>
-              </a:defRPr>
-            </a:lvl8pPr>
-            <a:lvl9pPr marL="3886200" indent="-228600" algn="l" defTabSz="914400" rtl="0" eaLnBrk="1" latinLnBrk="0" hangingPunct="1">
-              <a:lnSpc>
-                <a:spcPct val="90000"/>
-              </a:lnSpc>
-              <a:spcBef>
-                <a:spcPts val="500"/>
-              </a:spcBef>
-              <a:buFont typeface="Arial" panose="020B0604020202020204" pitchFamily="34" charset="0"/>
-              <a:buChar char="•"/>
-              <a:defRPr sz="1800" kern="1200">
-                <a:solidFill>
-                  <a:schemeClr val="tx1"/>
-                </a:solidFill>
-                <a:latin typeface="+mn-lt"/>
-                <a:ea typeface="+mn-ea"/>
-                <a:cs typeface="+mn-cs"/>
-              </a:defRPr>
-            </a:lvl9pPr>
-          </a:lstStyle>
-          <a:p>
-            <a:pPr marL="0" indent="0">
-              <a:buNone/>
-            </a:pPr>
-            <a:r>
-              <a:rPr lang="en-US" sz="2600" dirty="0">
-                <a:solidFill>
-                  <a:srgbClr val="C00000"/>
-                </a:solidFill>
-              </a:rPr>
-              <a:t>Category Vs Count (Paid Apps)</a:t>
-            </a:r>
-          </a:p>
-        </p:txBody>
-      </p:sp>
       <p:pic>
         <p:nvPicPr>
-          <p:cNvPr id="2" name="Picture 1">
-            <a:extLst>
-              <a:ext uri="{FF2B5EF4-FFF2-40B4-BE49-F238E27FC236}">
-                <a16:creationId xmlns:a16="http://schemas.microsoft.com/office/drawing/2014/main" id="{99164EE4-71C5-432B-9155-AFE0B4D3CA59}"/>
+          <p:cNvPr id="10" name="Picture 6" descr="Image result for jupyter notebook logo">
+            <a:extLst>
+              <a:ext uri="{FF2B5EF4-FFF2-40B4-BE49-F238E27FC236}">
+                <a16:creationId xmlns:a16="http://schemas.microsoft.com/office/drawing/2014/main" id="{B23E8469-FD7B-48EA-BE70-6EB7F50DA1D1}"/>
               </a:ext>
             </a:extLst>
           </p:cNvPr>
           <p:cNvPicPr>
-            <a:picLocks noChangeAspect="1"/>
+            <a:picLocks noChangeAspect="1" noChangeArrowheads="1"/>
           </p:cNvPicPr>
           <p:nvPr/>
         </p:nvPicPr>
         <p:blipFill>
-          <a:blip r:embed="rId2"/>
+          <a:blip r:embed="rId2">
+            <a:extLst>
+              <a:ext uri="{28A0092B-C50C-407E-A947-70E740481C1C}">
+                <a14:useLocalDpi xmlns:a14="http://schemas.microsoft.com/office/drawing/2010/main" val="0"/>
+              </a:ext>
+            </a:extLst>
+          </a:blip>
+          <a:srcRect/>
           <a:stretch>
             <a:fillRect/>
           </a:stretch>
         </p:blipFill>
-        <p:spPr>
-          <a:xfrm>
-            <a:off x="357399" y="2330565"/>
-            <a:ext cx="5684951" cy="3303237"/>
+        <p:spPr bwMode="auto">
+          <a:xfrm>
+            <a:off x="5485103" y="3429000"/>
+            <a:ext cx="1221794" cy="1221794"/>
           </a:xfrm>
           <a:prstGeom prst="rect">
             <a:avLst/>
           </a:prstGeom>
+          <a:noFill/>
+          <a:extLst>
+            <a:ext uri="{909E8E84-426E-40DD-AFC4-6F175D3DCCD1}">
+              <a14:hiddenFill xmlns:a14="http://schemas.microsoft.com/office/drawing/2010/main">
+                <a:solidFill>
+                  <a:srgbClr val="FFFFFF"/>
+                </a:solidFill>
+              </a14:hiddenFill>
+            </a:ext>
+          </a:extLst>
         </p:spPr>
       </p:pic>
-      <p:pic>
-        <p:nvPicPr>
-          <p:cNvPr id="4" name="Picture 3">
-            <a:extLst>
-              <a:ext uri="{FF2B5EF4-FFF2-40B4-BE49-F238E27FC236}">
-                <a16:creationId xmlns:a16="http://schemas.microsoft.com/office/drawing/2014/main" id="{256B7FA1-F146-4219-AE01-5F5194A7F603}"/>
-              </a:ext>
-            </a:extLst>
-          </p:cNvPr>
-          <p:cNvPicPr>
-            <a:picLocks noChangeAspect="1"/>
-          </p:cNvPicPr>
-          <p:nvPr/>
-        </p:nvPicPr>
-        <p:blipFill>
-          <a:blip r:embed="rId3"/>
-          <a:stretch>
-            <a:fillRect/>
-          </a:stretch>
-        </p:blipFill>
-        <p:spPr>
-          <a:xfrm>
-            <a:off x="6331209" y="2375788"/>
-            <a:ext cx="5474032" cy="3222581"/>
-          </a:xfrm>
-          <a:prstGeom prst="rect">
-            <a:avLst/>
-          </a:prstGeom>
-        </p:spPr>
-      </p:pic>
-      <p:sp>
-        <p:nvSpPr>
-          <p:cNvPr id="15" name="Title 1">
-            <a:extLst>
-              <a:ext uri="{FF2B5EF4-FFF2-40B4-BE49-F238E27FC236}">
-                <a16:creationId xmlns:a16="http://schemas.microsoft.com/office/drawing/2014/main" id="{62757042-273F-4298-A3D6-B8EF2D7BABDC}"/>
-              </a:ext>
-            </a:extLst>
-          </p:cNvPr>
-          <p:cNvSpPr txBox="1">
-            <a:spLocks/>
-          </p:cNvSpPr>
-          <p:nvPr/>
-        </p:nvSpPr>
-        <p:spPr>
-          <a:xfrm>
-            <a:off x="992188" y="517526"/>
-            <a:ext cx="10515600" cy="823912"/>
-          </a:xfrm>
-          <a:prstGeom prst="rect">
-            <a:avLst/>
-          </a:prstGeom>
-        </p:spPr>
-        <p:txBody>
-          <a:bodyPr/>
-          <a:lstStyle>
-            <a:lvl1pPr algn="l" defTabSz="914400" rtl="0" eaLnBrk="1" latinLnBrk="0" hangingPunct="1">
-              <a:lnSpc>
-                <a:spcPct val="90000"/>
-              </a:lnSpc>
-              <a:spcBef>
-                <a:spcPct val="0"/>
-              </a:spcBef>
-              <a:buNone/>
-              <a:defRPr sz="4400" kern="1200">
-                <a:solidFill>
-                  <a:schemeClr val="tx1"/>
-                </a:solidFill>
-                <a:latin typeface="+mj-lt"/>
-                <a:ea typeface="+mj-ea"/>
-                <a:cs typeface="+mj-cs"/>
-              </a:defRPr>
-            </a:lvl1pPr>
-          </a:lstStyle>
-          <a:p>
-            <a:pPr algn="ctr"/>
-            <a:r>
-              <a:rPr lang="en-US" sz="3600" dirty="0">
-                <a:solidFill>
-                  <a:srgbClr val="C00000"/>
-                </a:solidFill>
-              </a:rPr>
-              <a:t>Comparison - By Count</a:t>
-            </a:r>
-          </a:p>
-        </p:txBody>
-      </p:sp>
     </p:spTree>
     <p:extLst>
       <p:ext uri="{BB962C8B-B14F-4D97-AF65-F5344CB8AC3E}">
-        <p14:creationId xmlns:p14="http://schemas.microsoft.com/office/powerpoint/2010/main" val="396633111"/>
+        <p14:creationId xmlns:p14="http://schemas.microsoft.com/office/powerpoint/2010/main" val="3985842287"/>
       </p:ext>
     </p:extLst>
   </p:cSld>
@@ -9132,124 +9068,10 @@
       </p:grpSpPr>
       <p:sp>
         <p:nvSpPr>
-          <p:cNvPr id="2" name="Title 1">
-            <a:extLst>
-              <a:ext uri="{FF2B5EF4-FFF2-40B4-BE49-F238E27FC236}">
-                <a16:creationId xmlns:a16="http://schemas.microsoft.com/office/drawing/2014/main" id="{E0D5B9A2-A00F-404B-99A3-E62802F082BB}"/>
-              </a:ext>
-            </a:extLst>
-          </p:cNvPr>
-          <p:cNvSpPr>
-            <a:spLocks noGrp="1"/>
-          </p:cNvSpPr>
-          <p:nvPr>
-            <p:ph type="title"/>
-          </p:nvPr>
-        </p:nvSpPr>
-        <p:spPr/>
-        <p:txBody>
-          <a:bodyPr>
-            <a:normAutofit/>
-          </a:bodyPr>
-          <a:lstStyle/>
-          <a:p>
-            <a:pPr algn="ctr"/>
-            <a:r>
-              <a:rPr lang="en-US" sz="3600" dirty="0">
-                <a:solidFill>
-                  <a:srgbClr val="C00000"/>
-                </a:solidFill>
-              </a:rPr>
-              <a:t>Comparison – By Popularity</a:t>
-            </a:r>
-            <a:endParaRPr lang="en-US" sz="3600" dirty="0"/>
-          </a:p>
-        </p:txBody>
-      </p:sp>
-      <p:sp>
-        <p:nvSpPr>
-          <p:cNvPr id="3" name="Text Placeholder 2">
-            <a:extLst>
-              <a:ext uri="{FF2B5EF4-FFF2-40B4-BE49-F238E27FC236}">
-                <a16:creationId xmlns:a16="http://schemas.microsoft.com/office/drawing/2014/main" id="{9591AB76-2C79-4A41-A296-AC3C771FEA73}"/>
-              </a:ext>
-            </a:extLst>
-          </p:cNvPr>
-          <p:cNvSpPr>
-            <a:spLocks noGrp="1"/>
-          </p:cNvSpPr>
-          <p:nvPr>
-            <p:ph type="body" idx="1"/>
-          </p:nvPr>
-        </p:nvSpPr>
-        <p:spPr>
-          <a:xfrm>
-            <a:off x="839788" y="1681163"/>
-            <a:ext cx="5157787" cy="632829"/>
-          </a:xfrm>
-        </p:spPr>
-        <p:txBody>
-          <a:bodyPr/>
-          <a:lstStyle/>
-          <a:p>
-            <a:pPr algn="ctr"/>
-            <a:r>
-              <a:rPr lang="en-US" b="0" dirty="0">
-                <a:solidFill>
-                  <a:srgbClr val="C00000"/>
-                </a:solidFill>
-                <a:latin typeface="+mj-lt"/>
-              </a:rPr>
-              <a:t>% of Top 5 Popular Apps(Free Apps)</a:t>
-            </a:r>
-          </a:p>
-        </p:txBody>
-      </p:sp>
-      <p:sp>
-        <p:nvSpPr>
-          <p:cNvPr id="12" name="Text Placeholder 11">
-            <a:extLst>
-              <a:ext uri="{FF2B5EF4-FFF2-40B4-BE49-F238E27FC236}">
-                <a16:creationId xmlns:a16="http://schemas.microsoft.com/office/drawing/2014/main" id="{B0ED03E7-F1FD-1D4E-B68F-C515EC2EC6A4}"/>
-              </a:ext>
-            </a:extLst>
-          </p:cNvPr>
-          <p:cNvSpPr>
-            <a:spLocks noGrp="1"/>
-          </p:cNvSpPr>
-          <p:nvPr>
-            <p:ph type="body" sz="quarter" idx="3"/>
-          </p:nvPr>
-        </p:nvSpPr>
-        <p:spPr>
-          <a:xfrm>
-            <a:off x="6172200" y="1681163"/>
-            <a:ext cx="5183188" cy="632829"/>
-          </a:xfrm>
-        </p:spPr>
-        <p:txBody>
-          <a:bodyPr/>
-          <a:lstStyle/>
-          <a:p>
-            <a:pPr algn="ctr"/>
-            <a:r>
-              <a:rPr lang="en-US" b="0" dirty="0">
-                <a:solidFill>
-                  <a:srgbClr val="C00000"/>
-                </a:solidFill>
-                <a:latin typeface="+mj-lt"/>
-              </a:rPr>
-              <a:t>% of Top 5 Popular Apps(Paid Apps)</a:t>
-            </a:r>
-          </a:p>
-        </p:txBody>
-      </p:sp>
-      <p:sp>
-        <p:nvSpPr>
-          <p:cNvPr id="6" name="Rectangle 5">
-            <a:extLst>
-              <a:ext uri="{FF2B5EF4-FFF2-40B4-BE49-F238E27FC236}">
-                <a16:creationId xmlns:a16="http://schemas.microsoft.com/office/drawing/2014/main" id="{EDB7B2DD-1D04-354A-9AB4-73A160184A6A}"/>
+          <p:cNvPr id="7" name="Rectangle 6">
+            <a:extLst>
+              <a:ext uri="{FF2B5EF4-FFF2-40B4-BE49-F238E27FC236}">
+                <a16:creationId xmlns:a16="http://schemas.microsoft.com/office/drawing/2014/main" id="{C57A8320-7920-BD41-B746-17513E65A02B}"/>
               </a:ext>
             </a:extLst>
           </p:cNvPr>
@@ -9298,10 +9120,10 @@
       </p:sp>
       <p:sp>
         <p:nvSpPr>
-          <p:cNvPr id="7" name="Rectangle 6">
-            <a:extLst>
-              <a:ext uri="{FF2B5EF4-FFF2-40B4-BE49-F238E27FC236}">
-                <a16:creationId xmlns:a16="http://schemas.microsoft.com/office/drawing/2014/main" id="{AF65A308-6603-C94E-B347-D465DAFFB3CC}"/>
+          <p:cNvPr id="8" name="Rectangle 7">
+            <a:extLst>
+              <a:ext uri="{FF2B5EF4-FFF2-40B4-BE49-F238E27FC236}">
+                <a16:creationId xmlns:a16="http://schemas.microsoft.com/office/drawing/2014/main" id="{5D8235E2-83B6-3841-AFC7-A0C9F114EB9C}"/>
               </a:ext>
             </a:extLst>
           </p:cNvPr>
@@ -9350,10 +9172,10 @@
       </p:sp>
       <p:sp>
         <p:nvSpPr>
-          <p:cNvPr id="8" name="Rectangle 7">
-            <a:extLst>
-              <a:ext uri="{FF2B5EF4-FFF2-40B4-BE49-F238E27FC236}">
-                <a16:creationId xmlns:a16="http://schemas.microsoft.com/office/drawing/2014/main" id="{E4556BC6-7B32-B245-B47F-1322CF427185}"/>
+          <p:cNvPr id="9" name="Rectangle 8">
+            <a:extLst>
+              <a:ext uri="{FF2B5EF4-FFF2-40B4-BE49-F238E27FC236}">
+                <a16:creationId xmlns:a16="http://schemas.microsoft.com/office/drawing/2014/main" id="{E4885C03-81AD-0646-BA63-4AC544935506}"/>
               </a:ext>
             </a:extLst>
           </p:cNvPr>
@@ -9402,10 +9224,10 @@
       </p:sp>
       <p:sp>
         <p:nvSpPr>
-          <p:cNvPr id="9" name="Rectangle 8">
-            <a:extLst>
-              <a:ext uri="{FF2B5EF4-FFF2-40B4-BE49-F238E27FC236}">
-                <a16:creationId xmlns:a16="http://schemas.microsoft.com/office/drawing/2014/main" id="{7BF10D30-14C0-B64B-9BF4-E402EB2A6005}"/>
+          <p:cNvPr id="10" name="Rectangle 9">
+            <a:extLst>
+              <a:ext uri="{FF2B5EF4-FFF2-40B4-BE49-F238E27FC236}">
+                <a16:creationId xmlns:a16="http://schemas.microsoft.com/office/drawing/2014/main" id="{B14F9C43-B9DD-BD47-9DBE-30C7AF30FB65}"/>
               </a:ext>
             </a:extLst>
           </p:cNvPr>
@@ -9452,12 +9274,470 @@
           </a:p>
         </p:txBody>
       </p:sp>
+      <p:sp>
+        <p:nvSpPr>
+          <p:cNvPr id="11" name="Title 1">
+            <a:extLst>
+              <a:ext uri="{FF2B5EF4-FFF2-40B4-BE49-F238E27FC236}">
+                <a16:creationId xmlns:a16="http://schemas.microsoft.com/office/drawing/2014/main" id="{728EE139-734C-2244-BC00-A060F88A6989}"/>
+              </a:ext>
+            </a:extLst>
+          </p:cNvPr>
+          <p:cNvSpPr txBox="1">
+            <a:spLocks/>
+          </p:cNvSpPr>
+          <p:nvPr/>
+        </p:nvSpPr>
+        <p:spPr>
+          <a:xfrm>
+            <a:off x="839788" y="365125"/>
+            <a:ext cx="10515600" cy="1325563"/>
+          </a:xfrm>
+          <a:prstGeom prst="rect">
+            <a:avLst/>
+          </a:prstGeom>
+        </p:spPr>
+        <p:txBody>
+          <a:bodyPr/>
+          <a:lstStyle>
+            <a:lvl1pPr algn="l" defTabSz="914400" rtl="0" eaLnBrk="1" latinLnBrk="0" hangingPunct="1">
+              <a:lnSpc>
+                <a:spcPct val="90000"/>
+              </a:lnSpc>
+              <a:spcBef>
+                <a:spcPct val="0"/>
+              </a:spcBef>
+              <a:buNone/>
+              <a:defRPr sz="4400" kern="1200">
+                <a:solidFill>
+                  <a:schemeClr val="tx1"/>
+                </a:solidFill>
+                <a:latin typeface="+mj-lt"/>
+                <a:ea typeface="+mj-ea"/>
+                <a:cs typeface="+mj-cs"/>
+              </a:defRPr>
+            </a:lvl1pPr>
+          </a:lstStyle>
+          <a:p>
+            <a:pPr algn="ctr"/>
+            <a:endParaRPr lang="en-US" sz="4200" b="1" dirty="0"/>
+          </a:p>
+        </p:txBody>
+      </p:sp>
+      <p:sp>
+        <p:nvSpPr>
+          <p:cNvPr id="12" name="Text Placeholder 2">
+            <a:extLst>
+              <a:ext uri="{FF2B5EF4-FFF2-40B4-BE49-F238E27FC236}">
+                <a16:creationId xmlns:a16="http://schemas.microsoft.com/office/drawing/2014/main" id="{70A87BD5-D566-714E-AD24-46B04D7D3C93}"/>
+              </a:ext>
+            </a:extLst>
+          </p:cNvPr>
+          <p:cNvSpPr txBox="1">
+            <a:spLocks/>
+          </p:cNvSpPr>
+          <p:nvPr/>
+        </p:nvSpPr>
+        <p:spPr>
+          <a:xfrm>
+            <a:off x="951722" y="1690687"/>
+            <a:ext cx="5045853" cy="814387"/>
+          </a:xfrm>
+          <a:prstGeom prst="rect">
+            <a:avLst/>
+          </a:prstGeom>
+        </p:spPr>
+        <p:txBody>
+          <a:bodyPr/>
+          <a:lstStyle>
+            <a:lvl1pPr marL="228600" indent="-228600" algn="l" defTabSz="914400" rtl="0" eaLnBrk="1" latinLnBrk="0" hangingPunct="1">
+              <a:lnSpc>
+                <a:spcPct val="90000"/>
+              </a:lnSpc>
+              <a:spcBef>
+                <a:spcPts val="1000"/>
+              </a:spcBef>
+              <a:buFont typeface="Arial" panose="020B0604020202020204" pitchFamily="34" charset="0"/>
+              <a:buChar char="•"/>
+              <a:defRPr sz="2800" kern="1200">
+                <a:solidFill>
+                  <a:schemeClr val="tx1"/>
+                </a:solidFill>
+                <a:latin typeface="+mn-lt"/>
+                <a:ea typeface="+mn-ea"/>
+                <a:cs typeface="+mn-cs"/>
+              </a:defRPr>
+            </a:lvl1pPr>
+            <a:lvl2pPr marL="685800" indent="-228600" algn="l" defTabSz="914400" rtl="0" eaLnBrk="1" latinLnBrk="0" hangingPunct="1">
+              <a:lnSpc>
+                <a:spcPct val="90000"/>
+              </a:lnSpc>
+              <a:spcBef>
+                <a:spcPts val="500"/>
+              </a:spcBef>
+              <a:buFont typeface="Arial" panose="020B0604020202020204" pitchFamily="34" charset="0"/>
+              <a:buChar char="•"/>
+              <a:defRPr sz="2400" kern="1200">
+                <a:solidFill>
+                  <a:schemeClr val="tx1"/>
+                </a:solidFill>
+                <a:latin typeface="+mn-lt"/>
+                <a:ea typeface="+mn-ea"/>
+                <a:cs typeface="+mn-cs"/>
+              </a:defRPr>
+            </a:lvl2pPr>
+            <a:lvl3pPr marL="1143000" indent="-228600" algn="l" defTabSz="914400" rtl="0" eaLnBrk="1" latinLnBrk="0" hangingPunct="1">
+              <a:lnSpc>
+                <a:spcPct val="90000"/>
+              </a:lnSpc>
+              <a:spcBef>
+                <a:spcPts val="500"/>
+              </a:spcBef>
+              <a:buFont typeface="Arial" panose="020B0604020202020204" pitchFamily="34" charset="0"/>
+              <a:buChar char="•"/>
+              <a:defRPr sz="2000" kern="1200">
+                <a:solidFill>
+                  <a:schemeClr val="tx1"/>
+                </a:solidFill>
+                <a:latin typeface="+mn-lt"/>
+                <a:ea typeface="+mn-ea"/>
+                <a:cs typeface="+mn-cs"/>
+              </a:defRPr>
+            </a:lvl3pPr>
+            <a:lvl4pPr marL="1600200" indent="-228600" algn="l" defTabSz="914400" rtl="0" eaLnBrk="1" latinLnBrk="0" hangingPunct="1">
+              <a:lnSpc>
+                <a:spcPct val="90000"/>
+              </a:lnSpc>
+              <a:spcBef>
+                <a:spcPts val="500"/>
+              </a:spcBef>
+              <a:buFont typeface="Arial" panose="020B0604020202020204" pitchFamily="34" charset="0"/>
+              <a:buChar char="•"/>
+              <a:defRPr sz="1800" kern="1200">
+                <a:solidFill>
+                  <a:schemeClr val="tx1"/>
+                </a:solidFill>
+                <a:latin typeface="+mn-lt"/>
+                <a:ea typeface="+mn-ea"/>
+                <a:cs typeface="+mn-cs"/>
+              </a:defRPr>
+            </a:lvl4pPr>
+            <a:lvl5pPr marL="2057400" indent="-228600" algn="l" defTabSz="914400" rtl="0" eaLnBrk="1" latinLnBrk="0" hangingPunct="1">
+              <a:lnSpc>
+                <a:spcPct val="90000"/>
+              </a:lnSpc>
+              <a:spcBef>
+                <a:spcPts val="500"/>
+              </a:spcBef>
+              <a:buFont typeface="Arial" panose="020B0604020202020204" pitchFamily="34" charset="0"/>
+              <a:buChar char="•"/>
+              <a:defRPr sz="1800" kern="1200">
+                <a:solidFill>
+                  <a:schemeClr val="tx1"/>
+                </a:solidFill>
+                <a:latin typeface="+mn-lt"/>
+                <a:ea typeface="+mn-ea"/>
+                <a:cs typeface="+mn-cs"/>
+              </a:defRPr>
+            </a:lvl5pPr>
+            <a:lvl6pPr marL="2514600" indent="-228600" algn="l" defTabSz="914400" rtl="0" eaLnBrk="1" latinLnBrk="0" hangingPunct="1">
+              <a:lnSpc>
+                <a:spcPct val="90000"/>
+              </a:lnSpc>
+              <a:spcBef>
+                <a:spcPts val="500"/>
+              </a:spcBef>
+              <a:buFont typeface="Arial" panose="020B0604020202020204" pitchFamily="34" charset="0"/>
+              <a:buChar char="•"/>
+              <a:defRPr sz="1800" kern="1200">
+                <a:solidFill>
+                  <a:schemeClr val="tx1"/>
+                </a:solidFill>
+                <a:latin typeface="+mn-lt"/>
+                <a:ea typeface="+mn-ea"/>
+                <a:cs typeface="+mn-cs"/>
+              </a:defRPr>
+            </a:lvl6pPr>
+            <a:lvl7pPr marL="2971800" indent="-228600" algn="l" defTabSz="914400" rtl="0" eaLnBrk="1" latinLnBrk="0" hangingPunct="1">
+              <a:lnSpc>
+                <a:spcPct val="90000"/>
+              </a:lnSpc>
+              <a:spcBef>
+                <a:spcPts val="500"/>
+              </a:spcBef>
+              <a:buFont typeface="Arial" panose="020B0604020202020204" pitchFamily="34" charset="0"/>
+              <a:buChar char="•"/>
+              <a:defRPr sz="1800" kern="1200">
+                <a:solidFill>
+                  <a:schemeClr val="tx1"/>
+                </a:solidFill>
+                <a:latin typeface="+mn-lt"/>
+                <a:ea typeface="+mn-ea"/>
+                <a:cs typeface="+mn-cs"/>
+              </a:defRPr>
+            </a:lvl7pPr>
+            <a:lvl8pPr marL="3429000" indent="-228600" algn="l" defTabSz="914400" rtl="0" eaLnBrk="1" latinLnBrk="0" hangingPunct="1">
+              <a:lnSpc>
+                <a:spcPct val="90000"/>
+              </a:lnSpc>
+              <a:spcBef>
+                <a:spcPts val="500"/>
+              </a:spcBef>
+              <a:buFont typeface="Arial" panose="020B0604020202020204" pitchFamily="34" charset="0"/>
+              <a:buChar char="•"/>
+              <a:defRPr sz="1800" kern="1200">
+                <a:solidFill>
+                  <a:schemeClr val="tx1"/>
+                </a:solidFill>
+                <a:latin typeface="+mn-lt"/>
+                <a:ea typeface="+mn-ea"/>
+                <a:cs typeface="+mn-cs"/>
+              </a:defRPr>
+            </a:lvl8pPr>
+            <a:lvl9pPr marL="3886200" indent="-228600" algn="l" defTabSz="914400" rtl="0" eaLnBrk="1" latinLnBrk="0" hangingPunct="1">
+              <a:lnSpc>
+                <a:spcPct val="90000"/>
+              </a:lnSpc>
+              <a:spcBef>
+                <a:spcPts val="500"/>
+              </a:spcBef>
+              <a:buFont typeface="Arial" panose="020B0604020202020204" pitchFamily="34" charset="0"/>
+              <a:buChar char="•"/>
+              <a:defRPr sz="1800" kern="1200">
+                <a:solidFill>
+                  <a:schemeClr val="tx1"/>
+                </a:solidFill>
+                <a:latin typeface="+mn-lt"/>
+                <a:ea typeface="+mn-ea"/>
+                <a:cs typeface="+mn-cs"/>
+              </a:defRPr>
+            </a:lvl9pPr>
+          </a:lstStyle>
+          <a:p>
+            <a:pPr marL="0" indent="0">
+              <a:buNone/>
+            </a:pPr>
+            <a:r>
+              <a:rPr lang="en-US" sz="2600" dirty="0">
+                <a:solidFill>
+                  <a:srgbClr val="C00000"/>
+                </a:solidFill>
+              </a:rPr>
+              <a:t>Category Vs Count (Free Apps)</a:t>
+            </a:r>
+          </a:p>
+        </p:txBody>
+      </p:sp>
+      <p:sp>
+        <p:nvSpPr>
+          <p:cNvPr id="13" name="Text Placeholder 11">
+            <a:extLst>
+              <a:ext uri="{FF2B5EF4-FFF2-40B4-BE49-F238E27FC236}">
+                <a16:creationId xmlns:a16="http://schemas.microsoft.com/office/drawing/2014/main" id="{F8687144-CCE6-F04A-A4BD-74A72638DAD0}"/>
+              </a:ext>
+            </a:extLst>
+          </p:cNvPr>
+          <p:cNvSpPr txBox="1">
+            <a:spLocks/>
+          </p:cNvSpPr>
+          <p:nvPr/>
+        </p:nvSpPr>
+        <p:spPr>
+          <a:xfrm>
+            <a:off x="6904652" y="1681163"/>
+            <a:ext cx="4450735" cy="823912"/>
+          </a:xfrm>
+          <a:prstGeom prst="rect">
+            <a:avLst/>
+          </a:prstGeom>
+        </p:spPr>
+        <p:txBody>
+          <a:bodyPr/>
+          <a:lstStyle>
+            <a:lvl1pPr marL="228600" indent="-228600" algn="l" defTabSz="914400" rtl="0" eaLnBrk="1" latinLnBrk="0" hangingPunct="1">
+              <a:lnSpc>
+                <a:spcPct val="90000"/>
+              </a:lnSpc>
+              <a:spcBef>
+                <a:spcPts val="1000"/>
+              </a:spcBef>
+              <a:buFont typeface="Arial" panose="020B0604020202020204" pitchFamily="34" charset="0"/>
+              <a:buChar char="•"/>
+              <a:defRPr sz="2800" kern="1200">
+                <a:solidFill>
+                  <a:schemeClr val="tx1"/>
+                </a:solidFill>
+                <a:latin typeface="+mn-lt"/>
+                <a:ea typeface="+mn-ea"/>
+                <a:cs typeface="+mn-cs"/>
+              </a:defRPr>
+            </a:lvl1pPr>
+            <a:lvl2pPr marL="685800" indent="-228600" algn="l" defTabSz="914400" rtl="0" eaLnBrk="1" latinLnBrk="0" hangingPunct="1">
+              <a:lnSpc>
+                <a:spcPct val="90000"/>
+              </a:lnSpc>
+              <a:spcBef>
+                <a:spcPts val="500"/>
+              </a:spcBef>
+              <a:buFont typeface="Arial" panose="020B0604020202020204" pitchFamily="34" charset="0"/>
+              <a:buChar char="•"/>
+              <a:defRPr sz="2400" kern="1200">
+                <a:solidFill>
+                  <a:schemeClr val="tx1"/>
+                </a:solidFill>
+                <a:latin typeface="+mn-lt"/>
+                <a:ea typeface="+mn-ea"/>
+                <a:cs typeface="+mn-cs"/>
+              </a:defRPr>
+            </a:lvl2pPr>
+            <a:lvl3pPr marL="1143000" indent="-228600" algn="l" defTabSz="914400" rtl="0" eaLnBrk="1" latinLnBrk="0" hangingPunct="1">
+              <a:lnSpc>
+                <a:spcPct val="90000"/>
+              </a:lnSpc>
+              <a:spcBef>
+                <a:spcPts val="500"/>
+              </a:spcBef>
+              <a:buFont typeface="Arial" panose="020B0604020202020204" pitchFamily="34" charset="0"/>
+              <a:buChar char="•"/>
+              <a:defRPr sz="2000" kern="1200">
+                <a:solidFill>
+                  <a:schemeClr val="tx1"/>
+                </a:solidFill>
+                <a:latin typeface="+mn-lt"/>
+                <a:ea typeface="+mn-ea"/>
+                <a:cs typeface="+mn-cs"/>
+              </a:defRPr>
+            </a:lvl3pPr>
+            <a:lvl4pPr marL="1600200" indent="-228600" algn="l" defTabSz="914400" rtl="0" eaLnBrk="1" latinLnBrk="0" hangingPunct="1">
+              <a:lnSpc>
+                <a:spcPct val="90000"/>
+              </a:lnSpc>
+              <a:spcBef>
+                <a:spcPts val="500"/>
+              </a:spcBef>
+              <a:buFont typeface="Arial" panose="020B0604020202020204" pitchFamily="34" charset="0"/>
+              <a:buChar char="•"/>
+              <a:defRPr sz="1800" kern="1200">
+                <a:solidFill>
+                  <a:schemeClr val="tx1"/>
+                </a:solidFill>
+                <a:latin typeface="+mn-lt"/>
+                <a:ea typeface="+mn-ea"/>
+                <a:cs typeface="+mn-cs"/>
+              </a:defRPr>
+            </a:lvl4pPr>
+            <a:lvl5pPr marL="2057400" indent="-228600" algn="l" defTabSz="914400" rtl="0" eaLnBrk="1" latinLnBrk="0" hangingPunct="1">
+              <a:lnSpc>
+                <a:spcPct val="90000"/>
+              </a:lnSpc>
+              <a:spcBef>
+                <a:spcPts val="500"/>
+              </a:spcBef>
+              <a:buFont typeface="Arial" panose="020B0604020202020204" pitchFamily="34" charset="0"/>
+              <a:buChar char="•"/>
+              <a:defRPr sz="1800" kern="1200">
+                <a:solidFill>
+                  <a:schemeClr val="tx1"/>
+                </a:solidFill>
+                <a:latin typeface="+mn-lt"/>
+                <a:ea typeface="+mn-ea"/>
+                <a:cs typeface="+mn-cs"/>
+              </a:defRPr>
+            </a:lvl5pPr>
+            <a:lvl6pPr marL="2514600" indent="-228600" algn="l" defTabSz="914400" rtl="0" eaLnBrk="1" latinLnBrk="0" hangingPunct="1">
+              <a:lnSpc>
+                <a:spcPct val="90000"/>
+              </a:lnSpc>
+              <a:spcBef>
+                <a:spcPts val="500"/>
+              </a:spcBef>
+              <a:buFont typeface="Arial" panose="020B0604020202020204" pitchFamily="34" charset="0"/>
+              <a:buChar char="•"/>
+              <a:defRPr sz="1800" kern="1200">
+                <a:solidFill>
+                  <a:schemeClr val="tx1"/>
+                </a:solidFill>
+                <a:latin typeface="+mn-lt"/>
+                <a:ea typeface="+mn-ea"/>
+                <a:cs typeface="+mn-cs"/>
+              </a:defRPr>
+            </a:lvl6pPr>
+            <a:lvl7pPr marL="2971800" indent="-228600" algn="l" defTabSz="914400" rtl="0" eaLnBrk="1" latinLnBrk="0" hangingPunct="1">
+              <a:lnSpc>
+                <a:spcPct val="90000"/>
+              </a:lnSpc>
+              <a:spcBef>
+                <a:spcPts val="500"/>
+              </a:spcBef>
+              <a:buFont typeface="Arial" panose="020B0604020202020204" pitchFamily="34" charset="0"/>
+              <a:buChar char="•"/>
+              <a:defRPr sz="1800" kern="1200">
+                <a:solidFill>
+                  <a:schemeClr val="tx1"/>
+                </a:solidFill>
+                <a:latin typeface="+mn-lt"/>
+                <a:ea typeface="+mn-ea"/>
+                <a:cs typeface="+mn-cs"/>
+              </a:defRPr>
+            </a:lvl7pPr>
+            <a:lvl8pPr marL="3429000" indent="-228600" algn="l" defTabSz="914400" rtl="0" eaLnBrk="1" latinLnBrk="0" hangingPunct="1">
+              <a:lnSpc>
+                <a:spcPct val="90000"/>
+              </a:lnSpc>
+              <a:spcBef>
+                <a:spcPts val="500"/>
+              </a:spcBef>
+              <a:buFont typeface="Arial" panose="020B0604020202020204" pitchFamily="34" charset="0"/>
+              <a:buChar char="•"/>
+              <a:defRPr sz="1800" kern="1200">
+                <a:solidFill>
+                  <a:schemeClr val="tx1"/>
+                </a:solidFill>
+                <a:latin typeface="+mn-lt"/>
+                <a:ea typeface="+mn-ea"/>
+                <a:cs typeface="+mn-cs"/>
+              </a:defRPr>
+            </a:lvl8pPr>
+            <a:lvl9pPr marL="3886200" indent="-228600" algn="l" defTabSz="914400" rtl="0" eaLnBrk="1" latinLnBrk="0" hangingPunct="1">
+              <a:lnSpc>
+                <a:spcPct val="90000"/>
+              </a:lnSpc>
+              <a:spcBef>
+                <a:spcPts val="500"/>
+              </a:spcBef>
+              <a:buFont typeface="Arial" panose="020B0604020202020204" pitchFamily="34" charset="0"/>
+              <a:buChar char="•"/>
+              <a:defRPr sz="1800" kern="1200">
+                <a:solidFill>
+                  <a:schemeClr val="tx1"/>
+                </a:solidFill>
+                <a:latin typeface="+mn-lt"/>
+                <a:ea typeface="+mn-ea"/>
+                <a:cs typeface="+mn-cs"/>
+              </a:defRPr>
+            </a:lvl9pPr>
+          </a:lstStyle>
+          <a:p>
+            <a:pPr marL="0" indent="0">
+              <a:buNone/>
+            </a:pPr>
+            <a:r>
+              <a:rPr lang="en-US" sz="2600" dirty="0">
+                <a:solidFill>
+                  <a:srgbClr val="C00000"/>
+                </a:solidFill>
+              </a:rPr>
+              <a:t>Category Vs Count (Paid Apps)</a:t>
+            </a:r>
+          </a:p>
+        </p:txBody>
+      </p:sp>
       <p:pic>
         <p:nvPicPr>
-          <p:cNvPr id="5" name="Picture 4">
-            <a:extLst>
-              <a:ext uri="{FF2B5EF4-FFF2-40B4-BE49-F238E27FC236}">
-                <a16:creationId xmlns:a16="http://schemas.microsoft.com/office/drawing/2014/main" id="{55FA8432-4E89-B24B-A71B-93F5765FEB45}"/>
+          <p:cNvPr id="2" name="Picture 1">
+            <a:extLst>
+              <a:ext uri="{FF2B5EF4-FFF2-40B4-BE49-F238E27FC236}">
+                <a16:creationId xmlns:a16="http://schemas.microsoft.com/office/drawing/2014/main" id="{99164EE4-71C5-432B-9155-AFE0B4D3CA59}"/>
               </a:ext>
             </a:extLst>
           </p:cNvPr>
@@ -9474,8 +9754,8 @@
         </p:blipFill>
         <p:spPr>
           <a:xfrm>
-            <a:off x="6974153" y="2643333"/>
-            <a:ext cx="4381235" cy="2923898"/>
+            <a:off x="357399" y="2330565"/>
+            <a:ext cx="5684951" cy="3303237"/>
           </a:xfrm>
           <a:prstGeom prst="rect">
             <a:avLst/>
@@ -9484,10 +9764,10 @@
       </p:pic>
       <p:pic>
         <p:nvPicPr>
-          <p:cNvPr id="13" name="Picture 12">
-            <a:extLst>
-              <a:ext uri="{FF2B5EF4-FFF2-40B4-BE49-F238E27FC236}">
-                <a16:creationId xmlns:a16="http://schemas.microsoft.com/office/drawing/2014/main" id="{C9EE4B45-D327-3D43-82B6-1CFCD757A565}"/>
+          <p:cNvPr id="4" name="Picture 3">
+            <a:extLst>
+              <a:ext uri="{FF2B5EF4-FFF2-40B4-BE49-F238E27FC236}">
+                <a16:creationId xmlns:a16="http://schemas.microsoft.com/office/drawing/2014/main" id="{256B7FA1-F146-4219-AE01-5F5194A7F603}"/>
               </a:ext>
             </a:extLst>
           </p:cNvPr>
@@ -9504,18 +9784,75 @@
         </p:blipFill>
         <p:spPr>
           <a:xfrm>
-            <a:off x="1138848" y="2538504"/>
-            <a:ext cx="5270674" cy="3125177"/>
+            <a:off x="6331209" y="2375788"/>
+            <a:ext cx="5474032" cy="3222581"/>
           </a:xfrm>
           <a:prstGeom prst="rect">
             <a:avLst/>
           </a:prstGeom>
         </p:spPr>
       </p:pic>
+      <p:sp>
+        <p:nvSpPr>
+          <p:cNvPr id="15" name="Title 1">
+            <a:extLst>
+              <a:ext uri="{FF2B5EF4-FFF2-40B4-BE49-F238E27FC236}">
+                <a16:creationId xmlns:a16="http://schemas.microsoft.com/office/drawing/2014/main" id="{62757042-273F-4298-A3D6-B8EF2D7BABDC}"/>
+              </a:ext>
+            </a:extLst>
+          </p:cNvPr>
+          <p:cNvSpPr txBox="1">
+            <a:spLocks/>
+          </p:cNvSpPr>
+          <p:nvPr/>
+        </p:nvSpPr>
+        <p:spPr>
+          <a:xfrm>
+            <a:off x="992188" y="517526"/>
+            <a:ext cx="10515600" cy="823912"/>
+          </a:xfrm>
+          <a:prstGeom prst="rect">
+            <a:avLst/>
+          </a:prstGeom>
+        </p:spPr>
+        <p:txBody>
+          <a:bodyPr/>
+          <a:lstStyle>
+            <a:lvl1pPr algn="l" defTabSz="914400" rtl="0" eaLnBrk="1" latinLnBrk="0" hangingPunct="1">
+              <a:lnSpc>
+                <a:spcPct val="90000"/>
+              </a:lnSpc>
+              <a:spcBef>
+                <a:spcPct val="0"/>
+              </a:spcBef>
+              <a:buNone/>
+              <a:defRPr sz="4400" kern="1200">
+                <a:solidFill>
+                  <a:schemeClr val="tx1"/>
+                </a:solidFill>
+                <a:latin typeface="+mj-lt"/>
+                <a:ea typeface="+mj-ea"/>
+                <a:cs typeface="+mj-cs"/>
+              </a:defRPr>
+            </a:lvl1pPr>
+          </a:lstStyle>
+          <a:p>
+            <a:pPr algn="ctr"/>
+            <a:r>
+              <a:rPr lang="en-US" sz="3600" dirty="0">
+                <a:solidFill>
+                  <a:srgbClr val="C00000"/>
+                </a:solidFill>
+              </a:rPr>
+              <a:t>Comparison - By Count</a:t>
+            </a:r>
+          </a:p>
+        </p:txBody>
+      </p:sp>
     </p:spTree>
     <p:extLst>
       <p:ext uri="{BB962C8B-B14F-4D97-AF65-F5344CB8AC3E}">
-        <p14:creationId xmlns:p14="http://schemas.microsoft.com/office/powerpoint/2010/main" val="2694313790"/>
+        <p14:creationId xmlns:p14="http://schemas.microsoft.com/office/powerpoint/2010/main" val="396633111"/>
       </p:ext>
     </p:extLst>
   </p:cSld>
@@ -9544,6 +9881,120 @@
       </p:grpSpPr>
       <p:sp>
         <p:nvSpPr>
+          <p:cNvPr id="2" name="Title 1">
+            <a:extLst>
+              <a:ext uri="{FF2B5EF4-FFF2-40B4-BE49-F238E27FC236}">
+                <a16:creationId xmlns:a16="http://schemas.microsoft.com/office/drawing/2014/main" id="{E0D5B9A2-A00F-404B-99A3-E62802F082BB}"/>
+              </a:ext>
+            </a:extLst>
+          </p:cNvPr>
+          <p:cNvSpPr>
+            <a:spLocks noGrp="1"/>
+          </p:cNvSpPr>
+          <p:nvPr>
+            <p:ph type="title"/>
+          </p:nvPr>
+        </p:nvSpPr>
+        <p:spPr/>
+        <p:txBody>
+          <a:bodyPr>
+            <a:normAutofit/>
+          </a:bodyPr>
+          <a:lstStyle/>
+          <a:p>
+            <a:pPr algn="ctr"/>
+            <a:r>
+              <a:rPr lang="en-US" sz="3600" dirty="0">
+                <a:solidFill>
+                  <a:srgbClr val="C00000"/>
+                </a:solidFill>
+              </a:rPr>
+              <a:t>Comparison – By Popularity</a:t>
+            </a:r>
+            <a:endParaRPr lang="en-US" sz="3600" dirty="0"/>
+          </a:p>
+        </p:txBody>
+      </p:sp>
+      <p:sp>
+        <p:nvSpPr>
+          <p:cNvPr id="3" name="Text Placeholder 2">
+            <a:extLst>
+              <a:ext uri="{FF2B5EF4-FFF2-40B4-BE49-F238E27FC236}">
+                <a16:creationId xmlns:a16="http://schemas.microsoft.com/office/drawing/2014/main" id="{9591AB76-2C79-4A41-A296-AC3C771FEA73}"/>
+              </a:ext>
+            </a:extLst>
+          </p:cNvPr>
+          <p:cNvSpPr>
+            <a:spLocks noGrp="1"/>
+          </p:cNvSpPr>
+          <p:nvPr>
+            <p:ph type="body" idx="1"/>
+          </p:nvPr>
+        </p:nvSpPr>
+        <p:spPr>
+          <a:xfrm>
+            <a:off x="839788" y="1681163"/>
+            <a:ext cx="5157787" cy="632829"/>
+          </a:xfrm>
+        </p:spPr>
+        <p:txBody>
+          <a:bodyPr/>
+          <a:lstStyle/>
+          <a:p>
+            <a:pPr algn="ctr"/>
+            <a:r>
+              <a:rPr lang="en-US" b="0" dirty="0">
+                <a:solidFill>
+                  <a:srgbClr val="C00000"/>
+                </a:solidFill>
+                <a:latin typeface="+mj-lt"/>
+              </a:rPr>
+              <a:t>% of Top 5 Popular Apps(Free Apps)</a:t>
+            </a:r>
+          </a:p>
+        </p:txBody>
+      </p:sp>
+      <p:sp>
+        <p:nvSpPr>
+          <p:cNvPr id="12" name="Text Placeholder 11">
+            <a:extLst>
+              <a:ext uri="{FF2B5EF4-FFF2-40B4-BE49-F238E27FC236}">
+                <a16:creationId xmlns:a16="http://schemas.microsoft.com/office/drawing/2014/main" id="{B0ED03E7-F1FD-1D4E-B68F-C515EC2EC6A4}"/>
+              </a:ext>
+            </a:extLst>
+          </p:cNvPr>
+          <p:cNvSpPr>
+            <a:spLocks noGrp="1"/>
+          </p:cNvSpPr>
+          <p:nvPr>
+            <p:ph type="body" sz="quarter" idx="3"/>
+          </p:nvPr>
+        </p:nvSpPr>
+        <p:spPr>
+          <a:xfrm>
+            <a:off x="6172200" y="1681163"/>
+            <a:ext cx="5183188" cy="632829"/>
+          </a:xfrm>
+        </p:spPr>
+        <p:txBody>
+          <a:bodyPr/>
+          <a:lstStyle/>
+          <a:p>
+            <a:pPr algn="ctr"/>
+            <a:r>
+              <a:rPr lang="en-US" b="0" dirty="0">
+                <a:solidFill>
+                  <a:srgbClr val="C00000"/>
+                </a:solidFill>
+                <a:latin typeface="+mj-lt"/>
+              </a:rPr>
+              <a:t>% of Top 5 Popular Apps(Paid Apps)</a:t>
+            </a:r>
+          </a:p>
+        </p:txBody>
+      </p:sp>
+      <p:sp>
+        <p:nvSpPr>
           <p:cNvPr id="6" name="Rectangle 5">
             <a:extLst>
               <a:ext uri="{FF2B5EF4-FFF2-40B4-BE49-F238E27FC236}">
@@ -9750,463 +10201,12 @@
           </a:p>
         </p:txBody>
       </p:sp>
-      <p:sp>
-        <p:nvSpPr>
-          <p:cNvPr id="10" name="Title 1">
-            <a:extLst>
-              <a:ext uri="{FF2B5EF4-FFF2-40B4-BE49-F238E27FC236}">
-                <a16:creationId xmlns:a16="http://schemas.microsoft.com/office/drawing/2014/main" id="{292D8B40-C8F3-E04C-B0BC-E986B16F5615}"/>
-              </a:ext>
-            </a:extLst>
-          </p:cNvPr>
-          <p:cNvSpPr>
-            <a:spLocks noGrp="1"/>
-          </p:cNvSpPr>
-          <p:nvPr>
-            <p:ph type="title"/>
-          </p:nvPr>
-        </p:nvSpPr>
-        <p:spPr>
-          <a:xfrm>
-            <a:off x="839788" y="365125"/>
-            <a:ext cx="10515600" cy="1325563"/>
-          </a:xfrm>
-        </p:spPr>
-        <p:txBody>
-          <a:bodyPr>
-            <a:normAutofit/>
-          </a:bodyPr>
-          <a:lstStyle/>
-          <a:p>
-            <a:pPr algn="ctr"/>
-            <a:r>
-              <a:rPr lang="en-US" sz="3600" dirty="0">
-                <a:solidFill>
-                  <a:srgbClr val="C00000"/>
-                </a:solidFill>
-              </a:rPr>
-              <a:t>Comparison – By Content Rating</a:t>
-            </a:r>
-            <a:endParaRPr lang="en-US" sz="3600" dirty="0"/>
-          </a:p>
-        </p:txBody>
-      </p:sp>
-      <p:sp>
-        <p:nvSpPr>
-          <p:cNvPr id="11" name="Text Placeholder 2">
-            <a:extLst>
-              <a:ext uri="{FF2B5EF4-FFF2-40B4-BE49-F238E27FC236}">
-                <a16:creationId xmlns:a16="http://schemas.microsoft.com/office/drawing/2014/main" id="{51C024F0-049A-8243-A45A-E32F2B0BA9D8}"/>
-              </a:ext>
-            </a:extLst>
-          </p:cNvPr>
-          <p:cNvSpPr txBox="1">
-            <a:spLocks/>
-          </p:cNvSpPr>
-          <p:nvPr/>
-        </p:nvSpPr>
-        <p:spPr>
-          <a:xfrm>
-            <a:off x="839788" y="1681163"/>
-            <a:ext cx="5157787" cy="823912"/>
-          </a:xfrm>
-          <a:prstGeom prst="rect">
-            <a:avLst/>
-          </a:prstGeom>
-        </p:spPr>
-        <p:txBody>
-          <a:bodyPr/>
-          <a:lstStyle>
-            <a:lvl1pPr marL="228600" indent="-228600" algn="l" defTabSz="914400" rtl="0" eaLnBrk="1" latinLnBrk="0" hangingPunct="1">
-              <a:lnSpc>
-                <a:spcPct val="90000"/>
-              </a:lnSpc>
-              <a:spcBef>
-                <a:spcPts val="1000"/>
-              </a:spcBef>
-              <a:buFont typeface="Arial" panose="020B0604020202020204" pitchFamily="34" charset="0"/>
-              <a:buChar char="•"/>
-              <a:defRPr sz="2800" kern="1200">
-                <a:solidFill>
-                  <a:schemeClr val="tx1"/>
-                </a:solidFill>
-                <a:latin typeface="+mn-lt"/>
-                <a:ea typeface="+mn-ea"/>
-                <a:cs typeface="+mn-cs"/>
-              </a:defRPr>
-            </a:lvl1pPr>
-            <a:lvl2pPr marL="685800" indent="-228600" algn="l" defTabSz="914400" rtl="0" eaLnBrk="1" latinLnBrk="0" hangingPunct="1">
-              <a:lnSpc>
-                <a:spcPct val="90000"/>
-              </a:lnSpc>
-              <a:spcBef>
-                <a:spcPts val="500"/>
-              </a:spcBef>
-              <a:buFont typeface="Arial" panose="020B0604020202020204" pitchFamily="34" charset="0"/>
-              <a:buChar char="•"/>
-              <a:defRPr sz="2400" kern="1200">
-                <a:solidFill>
-                  <a:schemeClr val="tx1"/>
-                </a:solidFill>
-                <a:latin typeface="+mn-lt"/>
-                <a:ea typeface="+mn-ea"/>
-                <a:cs typeface="+mn-cs"/>
-              </a:defRPr>
-            </a:lvl2pPr>
-            <a:lvl3pPr marL="1143000" indent="-228600" algn="l" defTabSz="914400" rtl="0" eaLnBrk="1" latinLnBrk="0" hangingPunct="1">
-              <a:lnSpc>
-                <a:spcPct val="90000"/>
-              </a:lnSpc>
-              <a:spcBef>
-                <a:spcPts val="500"/>
-              </a:spcBef>
-              <a:buFont typeface="Arial" panose="020B0604020202020204" pitchFamily="34" charset="0"/>
-              <a:buChar char="•"/>
-              <a:defRPr sz="2000" kern="1200">
-                <a:solidFill>
-                  <a:schemeClr val="tx1"/>
-                </a:solidFill>
-                <a:latin typeface="+mn-lt"/>
-                <a:ea typeface="+mn-ea"/>
-                <a:cs typeface="+mn-cs"/>
-              </a:defRPr>
-            </a:lvl3pPr>
-            <a:lvl4pPr marL="1600200" indent="-228600" algn="l" defTabSz="914400" rtl="0" eaLnBrk="1" latinLnBrk="0" hangingPunct="1">
-              <a:lnSpc>
-                <a:spcPct val="90000"/>
-              </a:lnSpc>
-              <a:spcBef>
-                <a:spcPts val="500"/>
-              </a:spcBef>
-              <a:buFont typeface="Arial" panose="020B0604020202020204" pitchFamily="34" charset="0"/>
-              <a:buChar char="•"/>
-              <a:defRPr sz="1800" kern="1200">
-                <a:solidFill>
-                  <a:schemeClr val="tx1"/>
-                </a:solidFill>
-                <a:latin typeface="+mn-lt"/>
-                <a:ea typeface="+mn-ea"/>
-                <a:cs typeface="+mn-cs"/>
-              </a:defRPr>
-            </a:lvl4pPr>
-            <a:lvl5pPr marL="2057400" indent="-228600" algn="l" defTabSz="914400" rtl="0" eaLnBrk="1" latinLnBrk="0" hangingPunct="1">
-              <a:lnSpc>
-                <a:spcPct val="90000"/>
-              </a:lnSpc>
-              <a:spcBef>
-                <a:spcPts val="500"/>
-              </a:spcBef>
-              <a:buFont typeface="Arial" panose="020B0604020202020204" pitchFamily="34" charset="0"/>
-              <a:buChar char="•"/>
-              <a:defRPr sz="1800" kern="1200">
-                <a:solidFill>
-                  <a:schemeClr val="tx1"/>
-                </a:solidFill>
-                <a:latin typeface="+mn-lt"/>
-                <a:ea typeface="+mn-ea"/>
-                <a:cs typeface="+mn-cs"/>
-              </a:defRPr>
-            </a:lvl5pPr>
-            <a:lvl6pPr marL="2514600" indent="-228600" algn="l" defTabSz="914400" rtl="0" eaLnBrk="1" latinLnBrk="0" hangingPunct="1">
-              <a:lnSpc>
-                <a:spcPct val="90000"/>
-              </a:lnSpc>
-              <a:spcBef>
-                <a:spcPts val="500"/>
-              </a:spcBef>
-              <a:buFont typeface="Arial" panose="020B0604020202020204" pitchFamily="34" charset="0"/>
-              <a:buChar char="•"/>
-              <a:defRPr sz="1800" kern="1200">
-                <a:solidFill>
-                  <a:schemeClr val="tx1"/>
-                </a:solidFill>
-                <a:latin typeface="+mn-lt"/>
-                <a:ea typeface="+mn-ea"/>
-                <a:cs typeface="+mn-cs"/>
-              </a:defRPr>
-            </a:lvl6pPr>
-            <a:lvl7pPr marL="2971800" indent="-228600" algn="l" defTabSz="914400" rtl="0" eaLnBrk="1" latinLnBrk="0" hangingPunct="1">
-              <a:lnSpc>
-                <a:spcPct val="90000"/>
-              </a:lnSpc>
-              <a:spcBef>
-                <a:spcPts val="500"/>
-              </a:spcBef>
-              <a:buFont typeface="Arial" panose="020B0604020202020204" pitchFamily="34" charset="0"/>
-              <a:buChar char="•"/>
-              <a:defRPr sz="1800" kern="1200">
-                <a:solidFill>
-                  <a:schemeClr val="tx1"/>
-                </a:solidFill>
-                <a:latin typeface="+mn-lt"/>
-                <a:ea typeface="+mn-ea"/>
-                <a:cs typeface="+mn-cs"/>
-              </a:defRPr>
-            </a:lvl7pPr>
-            <a:lvl8pPr marL="3429000" indent="-228600" algn="l" defTabSz="914400" rtl="0" eaLnBrk="1" latinLnBrk="0" hangingPunct="1">
-              <a:lnSpc>
-                <a:spcPct val="90000"/>
-              </a:lnSpc>
-              <a:spcBef>
-                <a:spcPts val="500"/>
-              </a:spcBef>
-              <a:buFont typeface="Arial" panose="020B0604020202020204" pitchFamily="34" charset="0"/>
-              <a:buChar char="•"/>
-              <a:defRPr sz="1800" kern="1200">
-                <a:solidFill>
-                  <a:schemeClr val="tx1"/>
-                </a:solidFill>
-                <a:latin typeface="+mn-lt"/>
-                <a:ea typeface="+mn-ea"/>
-                <a:cs typeface="+mn-cs"/>
-              </a:defRPr>
-            </a:lvl8pPr>
-            <a:lvl9pPr marL="3886200" indent="-228600" algn="l" defTabSz="914400" rtl="0" eaLnBrk="1" latinLnBrk="0" hangingPunct="1">
-              <a:lnSpc>
-                <a:spcPct val="90000"/>
-              </a:lnSpc>
-              <a:spcBef>
-                <a:spcPts val="500"/>
-              </a:spcBef>
-              <a:buFont typeface="Arial" panose="020B0604020202020204" pitchFamily="34" charset="0"/>
-              <a:buChar char="•"/>
-              <a:defRPr sz="1800" kern="1200">
-                <a:solidFill>
-                  <a:schemeClr val="tx1"/>
-                </a:solidFill>
-                <a:latin typeface="+mn-lt"/>
-                <a:ea typeface="+mn-ea"/>
-                <a:cs typeface="+mn-cs"/>
-              </a:defRPr>
-            </a:lvl9pPr>
-          </a:lstStyle>
-          <a:p>
-            <a:pPr marL="0" indent="0" algn="ctr">
-              <a:buNone/>
-            </a:pPr>
-            <a:r>
-              <a:rPr lang="en-US" dirty="0">
-                <a:solidFill>
-                  <a:srgbClr val="C00000"/>
-                </a:solidFill>
-                <a:latin typeface="+mj-lt"/>
-              </a:rPr>
-              <a:t>% of Target Group using Free Apps</a:t>
-            </a:r>
-          </a:p>
-        </p:txBody>
-      </p:sp>
-      <p:sp>
-        <p:nvSpPr>
-          <p:cNvPr id="12" name="Text Placeholder 11">
-            <a:extLst>
-              <a:ext uri="{FF2B5EF4-FFF2-40B4-BE49-F238E27FC236}">
-                <a16:creationId xmlns:a16="http://schemas.microsoft.com/office/drawing/2014/main" id="{4EDA7EC5-A106-7E4A-814D-90EBAC5B4DF0}"/>
-              </a:ext>
-            </a:extLst>
-          </p:cNvPr>
-          <p:cNvSpPr txBox="1">
-            <a:spLocks/>
-          </p:cNvSpPr>
-          <p:nvPr/>
-        </p:nvSpPr>
-        <p:spPr>
-          <a:xfrm>
-            <a:off x="6172200" y="1681163"/>
-            <a:ext cx="5183188" cy="823912"/>
-          </a:xfrm>
-          <a:prstGeom prst="rect">
-            <a:avLst/>
-          </a:prstGeom>
-        </p:spPr>
-        <p:txBody>
-          <a:bodyPr/>
-          <a:lstStyle>
-            <a:lvl1pPr marL="228600" indent="-228600" algn="l" defTabSz="914400" rtl="0" eaLnBrk="1" latinLnBrk="0" hangingPunct="1">
-              <a:lnSpc>
-                <a:spcPct val="90000"/>
-              </a:lnSpc>
-              <a:spcBef>
-                <a:spcPts val="1000"/>
-              </a:spcBef>
-              <a:buFont typeface="Arial" panose="020B0604020202020204" pitchFamily="34" charset="0"/>
-              <a:buChar char="•"/>
-              <a:defRPr sz="2800" kern="1200">
-                <a:solidFill>
-                  <a:schemeClr val="tx1"/>
-                </a:solidFill>
-                <a:latin typeface="+mn-lt"/>
-                <a:ea typeface="+mn-ea"/>
-                <a:cs typeface="+mn-cs"/>
-              </a:defRPr>
-            </a:lvl1pPr>
-            <a:lvl2pPr marL="685800" indent="-228600" algn="l" defTabSz="914400" rtl="0" eaLnBrk="1" latinLnBrk="0" hangingPunct="1">
-              <a:lnSpc>
-                <a:spcPct val="90000"/>
-              </a:lnSpc>
-              <a:spcBef>
-                <a:spcPts val="500"/>
-              </a:spcBef>
-              <a:buFont typeface="Arial" panose="020B0604020202020204" pitchFamily="34" charset="0"/>
-              <a:buChar char="•"/>
-              <a:defRPr sz="2400" kern="1200">
-                <a:solidFill>
-                  <a:schemeClr val="tx1"/>
-                </a:solidFill>
-                <a:latin typeface="+mn-lt"/>
-                <a:ea typeface="+mn-ea"/>
-                <a:cs typeface="+mn-cs"/>
-              </a:defRPr>
-            </a:lvl2pPr>
-            <a:lvl3pPr marL="1143000" indent="-228600" algn="l" defTabSz="914400" rtl="0" eaLnBrk="1" latinLnBrk="0" hangingPunct="1">
-              <a:lnSpc>
-                <a:spcPct val="90000"/>
-              </a:lnSpc>
-              <a:spcBef>
-                <a:spcPts val="500"/>
-              </a:spcBef>
-              <a:buFont typeface="Arial" panose="020B0604020202020204" pitchFamily="34" charset="0"/>
-              <a:buChar char="•"/>
-              <a:defRPr sz="2000" kern="1200">
-                <a:solidFill>
-                  <a:schemeClr val="tx1"/>
-                </a:solidFill>
-                <a:latin typeface="+mn-lt"/>
-                <a:ea typeface="+mn-ea"/>
-                <a:cs typeface="+mn-cs"/>
-              </a:defRPr>
-            </a:lvl3pPr>
-            <a:lvl4pPr marL="1600200" indent="-228600" algn="l" defTabSz="914400" rtl="0" eaLnBrk="1" latinLnBrk="0" hangingPunct="1">
-              <a:lnSpc>
-                <a:spcPct val="90000"/>
-              </a:lnSpc>
-              <a:spcBef>
-                <a:spcPts val="500"/>
-              </a:spcBef>
-              <a:buFont typeface="Arial" panose="020B0604020202020204" pitchFamily="34" charset="0"/>
-              <a:buChar char="•"/>
-              <a:defRPr sz="1800" kern="1200">
-                <a:solidFill>
-                  <a:schemeClr val="tx1"/>
-                </a:solidFill>
-                <a:latin typeface="+mn-lt"/>
-                <a:ea typeface="+mn-ea"/>
-                <a:cs typeface="+mn-cs"/>
-              </a:defRPr>
-            </a:lvl4pPr>
-            <a:lvl5pPr marL="2057400" indent="-228600" algn="l" defTabSz="914400" rtl="0" eaLnBrk="1" latinLnBrk="0" hangingPunct="1">
-              <a:lnSpc>
-                <a:spcPct val="90000"/>
-              </a:lnSpc>
-              <a:spcBef>
-                <a:spcPts val="500"/>
-              </a:spcBef>
-              <a:buFont typeface="Arial" panose="020B0604020202020204" pitchFamily="34" charset="0"/>
-              <a:buChar char="•"/>
-              <a:defRPr sz="1800" kern="1200">
-                <a:solidFill>
-                  <a:schemeClr val="tx1"/>
-                </a:solidFill>
-                <a:latin typeface="+mn-lt"/>
-                <a:ea typeface="+mn-ea"/>
-                <a:cs typeface="+mn-cs"/>
-              </a:defRPr>
-            </a:lvl5pPr>
-            <a:lvl6pPr marL="2514600" indent="-228600" algn="l" defTabSz="914400" rtl="0" eaLnBrk="1" latinLnBrk="0" hangingPunct="1">
-              <a:lnSpc>
-                <a:spcPct val="90000"/>
-              </a:lnSpc>
-              <a:spcBef>
-                <a:spcPts val="500"/>
-              </a:spcBef>
-              <a:buFont typeface="Arial" panose="020B0604020202020204" pitchFamily="34" charset="0"/>
-              <a:buChar char="•"/>
-              <a:defRPr sz="1800" kern="1200">
-                <a:solidFill>
-                  <a:schemeClr val="tx1"/>
-                </a:solidFill>
-                <a:latin typeface="+mn-lt"/>
-                <a:ea typeface="+mn-ea"/>
-                <a:cs typeface="+mn-cs"/>
-              </a:defRPr>
-            </a:lvl6pPr>
-            <a:lvl7pPr marL="2971800" indent="-228600" algn="l" defTabSz="914400" rtl="0" eaLnBrk="1" latinLnBrk="0" hangingPunct="1">
-              <a:lnSpc>
-                <a:spcPct val="90000"/>
-              </a:lnSpc>
-              <a:spcBef>
-                <a:spcPts val="500"/>
-              </a:spcBef>
-              <a:buFont typeface="Arial" panose="020B0604020202020204" pitchFamily="34" charset="0"/>
-              <a:buChar char="•"/>
-              <a:defRPr sz="1800" kern="1200">
-                <a:solidFill>
-                  <a:schemeClr val="tx1"/>
-                </a:solidFill>
-                <a:latin typeface="+mn-lt"/>
-                <a:ea typeface="+mn-ea"/>
-                <a:cs typeface="+mn-cs"/>
-              </a:defRPr>
-            </a:lvl7pPr>
-            <a:lvl8pPr marL="3429000" indent="-228600" algn="l" defTabSz="914400" rtl="0" eaLnBrk="1" latinLnBrk="0" hangingPunct="1">
-              <a:lnSpc>
-                <a:spcPct val="90000"/>
-              </a:lnSpc>
-              <a:spcBef>
-                <a:spcPts val="500"/>
-              </a:spcBef>
-              <a:buFont typeface="Arial" panose="020B0604020202020204" pitchFamily="34" charset="0"/>
-              <a:buChar char="•"/>
-              <a:defRPr sz="1800" kern="1200">
-                <a:solidFill>
-                  <a:schemeClr val="tx1"/>
-                </a:solidFill>
-                <a:latin typeface="+mn-lt"/>
-                <a:ea typeface="+mn-ea"/>
-                <a:cs typeface="+mn-cs"/>
-              </a:defRPr>
-            </a:lvl8pPr>
-            <a:lvl9pPr marL="3886200" indent="-228600" algn="l" defTabSz="914400" rtl="0" eaLnBrk="1" latinLnBrk="0" hangingPunct="1">
-              <a:lnSpc>
-                <a:spcPct val="90000"/>
-              </a:lnSpc>
-              <a:spcBef>
-                <a:spcPts val="500"/>
-              </a:spcBef>
-              <a:buFont typeface="Arial" panose="020B0604020202020204" pitchFamily="34" charset="0"/>
-              <a:buChar char="•"/>
-              <a:defRPr sz="1800" kern="1200">
-                <a:solidFill>
-                  <a:schemeClr val="tx1"/>
-                </a:solidFill>
-                <a:latin typeface="+mn-lt"/>
-                <a:ea typeface="+mn-ea"/>
-                <a:cs typeface="+mn-cs"/>
-              </a:defRPr>
-            </a:lvl9pPr>
-          </a:lstStyle>
-          <a:p>
-            <a:pPr marL="0" indent="0" algn="ctr">
-              <a:buNone/>
-            </a:pPr>
-            <a:r>
-              <a:rPr lang="en-US" dirty="0">
-                <a:solidFill>
-                  <a:srgbClr val="C00000"/>
-                </a:solidFill>
-                <a:latin typeface="+mj-lt"/>
-              </a:rPr>
-              <a:t>% of Target Group using Paid Apps</a:t>
-            </a:r>
-          </a:p>
-        </p:txBody>
-      </p:sp>
       <p:pic>
         <p:nvPicPr>
-          <p:cNvPr id="3" name="Picture 2">
-            <a:extLst>
-              <a:ext uri="{FF2B5EF4-FFF2-40B4-BE49-F238E27FC236}">
-                <a16:creationId xmlns:a16="http://schemas.microsoft.com/office/drawing/2014/main" id="{4C75EE18-72C4-E84D-8350-10DA5495F044}"/>
+          <p:cNvPr id="5" name="Picture 4">
+            <a:extLst>
+              <a:ext uri="{FF2B5EF4-FFF2-40B4-BE49-F238E27FC236}">
+                <a16:creationId xmlns:a16="http://schemas.microsoft.com/office/drawing/2014/main" id="{55FA8432-4E89-B24B-A71B-93F5765FEB45}"/>
               </a:ext>
             </a:extLst>
           </p:cNvPr>
@@ -10223,8 +10223,8 @@
         </p:blipFill>
         <p:spPr>
           <a:xfrm>
-            <a:off x="98306" y="2241529"/>
-            <a:ext cx="6498437" cy="3249219"/>
+            <a:off x="6974153" y="2643333"/>
+            <a:ext cx="4381235" cy="2923898"/>
           </a:xfrm>
           <a:prstGeom prst="rect">
             <a:avLst/>
@@ -10233,10 +10233,10 @@
       </p:pic>
       <p:pic>
         <p:nvPicPr>
-          <p:cNvPr id="5" name="Picture 4">
-            <a:extLst>
-              <a:ext uri="{FF2B5EF4-FFF2-40B4-BE49-F238E27FC236}">
-                <a16:creationId xmlns:a16="http://schemas.microsoft.com/office/drawing/2014/main" id="{C479DB02-3EFF-9647-9E26-116746D1AA39}"/>
+          <p:cNvPr id="13" name="Picture 12">
+            <a:extLst>
+              <a:ext uri="{FF2B5EF4-FFF2-40B4-BE49-F238E27FC236}">
+                <a16:creationId xmlns:a16="http://schemas.microsoft.com/office/drawing/2014/main" id="{C9EE4B45-D327-3D43-82B6-1CFCD757A565}"/>
               </a:ext>
             </a:extLst>
           </p:cNvPr>
@@ -10253,8 +10253,8 @@
         </p:blipFill>
         <p:spPr>
           <a:xfrm>
-            <a:off x="6194427" y="2384662"/>
-            <a:ext cx="5997573" cy="3101738"/>
+            <a:off x="1138848" y="2538504"/>
+            <a:ext cx="5270674" cy="3125177"/>
           </a:xfrm>
           <a:prstGeom prst="rect">
             <a:avLst/>
@@ -10264,7 +10264,7 @@
     </p:spTree>
     <p:extLst>
       <p:ext uri="{BB962C8B-B14F-4D97-AF65-F5344CB8AC3E}">
-        <p14:creationId xmlns:p14="http://schemas.microsoft.com/office/powerpoint/2010/main" val="583279507"/>
+        <p14:creationId xmlns:p14="http://schemas.microsoft.com/office/powerpoint/2010/main" val="2694313790"/>
       </p:ext>
     </p:extLst>
   </p:cSld>
